--- a/Presentations/Mockito/Mockito.pptx
+++ b/Presentations/Mockito/Mockito.pptx
@@ -10,11 +10,18 @@
     <p:sldId id="258" r:id="rId4"/>
     <p:sldId id="300" r:id="rId5"/>
     <p:sldId id="301" r:id="rId6"/>
-    <p:sldId id="303" r:id="rId7"/>
-    <p:sldId id="304" r:id="rId8"/>
-    <p:sldId id="305" r:id="rId9"/>
-    <p:sldId id="302" r:id="rId10"/>
-    <p:sldId id="259" r:id="rId11"/>
+    <p:sldId id="306" r:id="rId7"/>
+    <p:sldId id="303" r:id="rId8"/>
+    <p:sldId id="304" r:id="rId9"/>
+    <p:sldId id="305" r:id="rId10"/>
+    <p:sldId id="307" r:id="rId11"/>
+    <p:sldId id="308" r:id="rId12"/>
+    <p:sldId id="309" r:id="rId13"/>
+    <p:sldId id="310" r:id="rId14"/>
+    <p:sldId id="311" r:id="rId15"/>
+    <p:sldId id="312" r:id="rId16"/>
+    <p:sldId id="302" r:id="rId17"/>
+    <p:sldId id="259" r:id="rId18"/>
   </p:sldIdLst>
   <p:sldSz cx="9144000" cy="6858000" type="screen4x3"/>
   <p:notesSz cx="6858000" cy="9144000"/>
@@ -143,6 +150,22 @@
       </a:defRPr>
     </a:lvl9pPr>
   </p:defaultTextStyle>
+  <p:extLst>
+    <p:ext uri="{EFAFB233-063F-42B5-8137-9DF3F51BA10A}">
+      <p15:sldGuideLst xmlns:p15="http://schemas.microsoft.com/office/powerpoint/2012/main">
+        <p15:guide id="1" orient="horz" pos="2160">
+          <p15:clr>
+            <a:srgbClr val="A4A3A4"/>
+          </p15:clr>
+        </p15:guide>
+        <p15:guide id="2" pos="2880">
+          <p15:clr>
+            <a:srgbClr val="A4A3A4"/>
+          </p15:clr>
+        </p15:guide>
+      </p15:sldGuideLst>
+    </p:ext>
+  </p:extLst>
 </p:presentation>
 </file>
 
@@ -184,7 +207,7 @@
           <a:lstStyle/>
           <a:p>
             <a:r>
-              <a:rPr lang="en-US" smtClean="0"/>
+              <a:rPr lang="en-US"/>
               <a:t>Click to edit Master title style</a:t>
             </a:r>
             <a:endParaRPr lang="fr-CA"/>
@@ -303,7 +326,7 @@
           </a:lstStyle>
           <a:p>
             <a:r>
-              <a:rPr lang="en-US" smtClean="0"/>
+              <a:rPr lang="en-US"/>
               <a:t>Click to edit Master subtitle style</a:t>
             </a:r>
             <a:endParaRPr lang="fr-CA"/>
@@ -337,7 +360,7 @@
               <a:pPr>
                 <a:defRPr/>
               </a:pPr>
-              <a:t>29/01/2015</a:t>
+              <a:t>19/04/2022</a:t>
             </a:fld>
             <a:endParaRPr lang="fr-CA"/>
           </a:p>
@@ -443,7 +466,7 @@
           <a:lstStyle/>
           <a:p>
             <a:r>
-              <a:rPr lang="en-US" smtClean="0"/>
+              <a:rPr lang="en-US"/>
               <a:t>Click to edit Master title style</a:t>
             </a:r>
             <a:endParaRPr lang="fr-CA"/>
@@ -467,35 +490,35 @@
           <a:p>
             <a:pPr lvl="0"/>
             <a:r>
-              <a:rPr lang="en-US" smtClean="0"/>
+              <a:rPr lang="en-US"/>
               <a:t>Click to edit Master text styles</a:t>
             </a:r>
           </a:p>
           <a:p>
             <a:pPr lvl="1"/>
             <a:r>
-              <a:rPr lang="en-US" smtClean="0"/>
+              <a:rPr lang="en-US"/>
               <a:t>Second level</a:t>
             </a:r>
           </a:p>
           <a:p>
             <a:pPr lvl="2"/>
             <a:r>
-              <a:rPr lang="en-US" smtClean="0"/>
+              <a:rPr lang="en-US"/>
               <a:t>Third level</a:t>
             </a:r>
           </a:p>
           <a:p>
             <a:pPr lvl="3"/>
             <a:r>
-              <a:rPr lang="en-US" smtClean="0"/>
+              <a:rPr lang="en-US"/>
               <a:t>Fourth level</a:t>
             </a:r>
           </a:p>
           <a:p>
             <a:pPr lvl="4"/>
             <a:r>
-              <a:rPr lang="en-US" smtClean="0"/>
+              <a:rPr lang="en-US"/>
               <a:t>Fifth level</a:t>
             </a:r>
             <a:endParaRPr lang="fr-CA"/>
@@ -529,7 +552,7 @@
               <a:pPr>
                 <a:defRPr/>
               </a:pPr>
-              <a:t>29/01/2015</a:t>
+              <a:t>19/04/2022</a:t>
             </a:fld>
             <a:endParaRPr lang="fr-CA"/>
           </a:p>
@@ -640,7 +663,7 @@
           <a:lstStyle/>
           <a:p>
             <a:r>
-              <a:rPr lang="en-US" smtClean="0"/>
+              <a:rPr lang="en-US"/>
               <a:t>Click to edit Master title style</a:t>
             </a:r>
             <a:endParaRPr lang="fr-CA"/>
@@ -669,35 +692,35 @@
           <a:p>
             <a:pPr lvl="0"/>
             <a:r>
-              <a:rPr lang="en-US" smtClean="0"/>
+              <a:rPr lang="en-US"/>
               <a:t>Click to edit Master text styles</a:t>
             </a:r>
           </a:p>
           <a:p>
             <a:pPr lvl="1"/>
             <a:r>
-              <a:rPr lang="en-US" smtClean="0"/>
+              <a:rPr lang="en-US"/>
               <a:t>Second level</a:t>
             </a:r>
           </a:p>
           <a:p>
             <a:pPr lvl="2"/>
             <a:r>
-              <a:rPr lang="en-US" smtClean="0"/>
+              <a:rPr lang="en-US"/>
               <a:t>Third level</a:t>
             </a:r>
           </a:p>
           <a:p>
             <a:pPr lvl="3"/>
             <a:r>
-              <a:rPr lang="en-US" smtClean="0"/>
+              <a:rPr lang="en-US"/>
               <a:t>Fourth level</a:t>
             </a:r>
           </a:p>
           <a:p>
             <a:pPr lvl="4"/>
             <a:r>
-              <a:rPr lang="en-US" smtClean="0"/>
+              <a:rPr lang="en-US"/>
               <a:t>Fifth level</a:t>
             </a:r>
             <a:endParaRPr lang="fr-CA"/>
@@ -731,7 +754,7 @@
               <a:pPr>
                 <a:defRPr/>
               </a:pPr>
-              <a:t>29/01/2015</a:t>
+              <a:t>19/04/2022</a:t>
             </a:fld>
             <a:endParaRPr lang="fr-CA"/>
           </a:p>
@@ -837,7 +860,7 @@
           <a:lstStyle/>
           <a:p>
             <a:r>
-              <a:rPr lang="en-US" smtClean="0"/>
+              <a:rPr lang="en-US"/>
               <a:t>Click to edit Master title style</a:t>
             </a:r>
             <a:endParaRPr lang="fr-CA"/>
@@ -861,35 +884,35 @@
           <a:p>
             <a:pPr lvl="0"/>
             <a:r>
-              <a:rPr lang="en-US" smtClean="0"/>
+              <a:rPr lang="en-US"/>
               <a:t>Click to edit Master text styles</a:t>
             </a:r>
           </a:p>
           <a:p>
             <a:pPr lvl="1"/>
             <a:r>
-              <a:rPr lang="en-US" smtClean="0"/>
+              <a:rPr lang="en-US"/>
               <a:t>Second level</a:t>
             </a:r>
           </a:p>
           <a:p>
             <a:pPr lvl="2"/>
             <a:r>
-              <a:rPr lang="en-US" smtClean="0"/>
+              <a:rPr lang="en-US"/>
               <a:t>Third level</a:t>
             </a:r>
           </a:p>
           <a:p>
             <a:pPr lvl="3"/>
             <a:r>
-              <a:rPr lang="en-US" smtClean="0"/>
+              <a:rPr lang="en-US"/>
               <a:t>Fourth level</a:t>
             </a:r>
           </a:p>
           <a:p>
             <a:pPr lvl="4"/>
             <a:r>
-              <a:rPr lang="en-US" smtClean="0"/>
+              <a:rPr lang="en-US"/>
               <a:t>Fifth level</a:t>
             </a:r>
             <a:endParaRPr lang="fr-CA"/>
@@ -923,7 +946,7 @@
               <a:pPr>
                 <a:defRPr/>
               </a:pPr>
-              <a:t>29/01/2015</a:t>
+              <a:t>19/04/2022</a:t>
             </a:fld>
             <a:endParaRPr lang="fr-CA"/>
           </a:p>
@@ -1038,7 +1061,7 @@
           </a:lstStyle>
           <a:p>
             <a:r>
-              <a:rPr lang="en-US" smtClean="0"/>
+              <a:rPr lang="en-US"/>
               <a:t>Click to edit Master title style</a:t>
             </a:r>
             <a:endParaRPr lang="fr-CA"/>
@@ -1158,7 +1181,7 @@
           <a:p>
             <a:pPr lvl="0"/>
             <a:r>
-              <a:rPr lang="en-US" smtClean="0"/>
+              <a:rPr lang="en-US"/>
               <a:t>Click to edit Master text styles</a:t>
             </a:r>
           </a:p>
@@ -1191,7 +1214,7 @@
               <a:pPr>
                 <a:defRPr/>
               </a:pPr>
-              <a:t>29/01/2015</a:t>
+              <a:t>19/04/2022</a:t>
             </a:fld>
             <a:endParaRPr lang="fr-CA"/>
           </a:p>
@@ -1297,7 +1320,7 @@
           <a:lstStyle/>
           <a:p>
             <a:r>
-              <a:rPr lang="en-US" smtClean="0"/>
+              <a:rPr lang="en-US"/>
               <a:t>Click to edit Master title style</a:t>
             </a:r>
             <a:endParaRPr lang="fr-CA"/>
@@ -1354,35 +1377,35 @@
           <a:p>
             <a:pPr lvl="0"/>
             <a:r>
-              <a:rPr lang="en-US" smtClean="0"/>
+              <a:rPr lang="en-US"/>
               <a:t>Click to edit Master text styles</a:t>
             </a:r>
           </a:p>
           <a:p>
             <a:pPr lvl="1"/>
             <a:r>
-              <a:rPr lang="en-US" smtClean="0"/>
+              <a:rPr lang="en-US"/>
               <a:t>Second level</a:t>
             </a:r>
           </a:p>
           <a:p>
             <a:pPr lvl="2"/>
             <a:r>
-              <a:rPr lang="en-US" smtClean="0"/>
+              <a:rPr lang="en-US"/>
               <a:t>Third level</a:t>
             </a:r>
           </a:p>
           <a:p>
             <a:pPr lvl="3"/>
             <a:r>
-              <a:rPr lang="en-US" smtClean="0"/>
+              <a:rPr lang="en-US"/>
               <a:t>Fourth level</a:t>
             </a:r>
           </a:p>
           <a:p>
             <a:pPr lvl="4"/>
             <a:r>
-              <a:rPr lang="en-US" smtClean="0"/>
+              <a:rPr lang="en-US"/>
               <a:t>Fifth level</a:t>
             </a:r>
             <a:endParaRPr lang="fr-CA"/>
@@ -1439,35 +1462,35 @@
           <a:p>
             <a:pPr lvl="0"/>
             <a:r>
-              <a:rPr lang="en-US" smtClean="0"/>
+              <a:rPr lang="en-US"/>
               <a:t>Click to edit Master text styles</a:t>
             </a:r>
           </a:p>
           <a:p>
             <a:pPr lvl="1"/>
             <a:r>
-              <a:rPr lang="en-US" smtClean="0"/>
+              <a:rPr lang="en-US"/>
               <a:t>Second level</a:t>
             </a:r>
           </a:p>
           <a:p>
             <a:pPr lvl="2"/>
             <a:r>
-              <a:rPr lang="en-US" smtClean="0"/>
+              <a:rPr lang="en-US"/>
               <a:t>Third level</a:t>
             </a:r>
           </a:p>
           <a:p>
             <a:pPr lvl="3"/>
             <a:r>
-              <a:rPr lang="en-US" smtClean="0"/>
+              <a:rPr lang="en-US"/>
               <a:t>Fourth level</a:t>
             </a:r>
           </a:p>
           <a:p>
             <a:pPr lvl="4"/>
             <a:r>
-              <a:rPr lang="en-US" smtClean="0"/>
+              <a:rPr lang="en-US"/>
               <a:t>Fifth level</a:t>
             </a:r>
             <a:endParaRPr lang="fr-CA"/>
@@ -1501,7 +1524,7 @@
               <a:pPr>
                 <a:defRPr/>
               </a:pPr>
-              <a:t>29/01/2015</a:t>
+              <a:t>19/04/2022</a:t>
             </a:fld>
             <a:endParaRPr lang="fr-CA"/>
           </a:p>
@@ -1611,7 +1634,7 @@
           </a:lstStyle>
           <a:p>
             <a:r>
-              <a:rPr lang="en-US" smtClean="0"/>
+              <a:rPr lang="en-US"/>
               <a:t>Click to edit Master title style</a:t>
             </a:r>
             <a:endParaRPr lang="fr-CA"/>
@@ -1677,7 +1700,7 @@
           <a:p>
             <a:pPr lvl="0"/>
             <a:r>
-              <a:rPr lang="en-US" smtClean="0"/>
+              <a:rPr lang="en-US"/>
               <a:t>Click to edit Master text styles</a:t>
             </a:r>
           </a:p>
@@ -1733,35 +1756,35 @@
           <a:p>
             <a:pPr lvl="0"/>
             <a:r>
-              <a:rPr lang="en-US" smtClean="0"/>
+              <a:rPr lang="en-US"/>
               <a:t>Click to edit Master text styles</a:t>
             </a:r>
           </a:p>
           <a:p>
             <a:pPr lvl="1"/>
             <a:r>
-              <a:rPr lang="en-US" smtClean="0"/>
+              <a:rPr lang="en-US"/>
               <a:t>Second level</a:t>
             </a:r>
           </a:p>
           <a:p>
             <a:pPr lvl="2"/>
             <a:r>
-              <a:rPr lang="en-US" smtClean="0"/>
+              <a:rPr lang="en-US"/>
               <a:t>Third level</a:t>
             </a:r>
           </a:p>
           <a:p>
             <a:pPr lvl="3"/>
             <a:r>
-              <a:rPr lang="en-US" smtClean="0"/>
+              <a:rPr lang="en-US"/>
               <a:t>Fourth level</a:t>
             </a:r>
           </a:p>
           <a:p>
             <a:pPr lvl="4"/>
             <a:r>
-              <a:rPr lang="en-US" smtClean="0"/>
+              <a:rPr lang="en-US"/>
               <a:t>Fifth level</a:t>
             </a:r>
             <a:endParaRPr lang="fr-CA"/>
@@ -1827,7 +1850,7 @@
           <a:p>
             <a:pPr lvl="0"/>
             <a:r>
-              <a:rPr lang="en-US" smtClean="0"/>
+              <a:rPr lang="en-US"/>
               <a:t>Click to edit Master text styles</a:t>
             </a:r>
           </a:p>
@@ -1883,35 +1906,35 @@
           <a:p>
             <a:pPr lvl="0"/>
             <a:r>
-              <a:rPr lang="en-US" smtClean="0"/>
+              <a:rPr lang="en-US"/>
               <a:t>Click to edit Master text styles</a:t>
             </a:r>
           </a:p>
           <a:p>
             <a:pPr lvl="1"/>
             <a:r>
-              <a:rPr lang="en-US" smtClean="0"/>
+              <a:rPr lang="en-US"/>
               <a:t>Second level</a:t>
             </a:r>
           </a:p>
           <a:p>
             <a:pPr lvl="2"/>
             <a:r>
-              <a:rPr lang="en-US" smtClean="0"/>
+              <a:rPr lang="en-US"/>
               <a:t>Third level</a:t>
             </a:r>
           </a:p>
           <a:p>
             <a:pPr lvl="3"/>
             <a:r>
-              <a:rPr lang="en-US" smtClean="0"/>
+              <a:rPr lang="en-US"/>
               <a:t>Fourth level</a:t>
             </a:r>
           </a:p>
           <a:p>
             <a:pPr lvl="4"/>
             <a:r>
-              <a:rPr lang="en-US" smtClean="0"/>
+              <a:rPr lang="en-US"/>
               <a:t>Fifth level</a:t>
             </a:r>
             <a:endParaRPr lang="fr-CA"/>
@@ -1945,7 +1968,7 @@
               <a:pPr>
                 <a:defRPr/>
               </a:pPr>
-              <a:t>29/01/2015</a:t>
+              <a:t>19/04/2022</a:t>
             </a:fld>
             <a:endParaRPr lang="fr-CA"/>
           </a:p>
@@ -2051,7 +2074,7 @@
           <a:lstStyle/>
           <a:p>
             <a:r>
-              <a:rPr lang="en-US" smtClean="0"/>
+              <a:rPr lang="en-US"/>
               <a:t>Click to edit Master title style</a:t>
             </a:r>
             <a:endParaRPr lang="fr-CA"/>
@@ -2085,7 +2108,7 @@
               <a:pPr>
                 <a:defRPr/>
               </a:pPr>
-              <a:t>29/01/2015</a:t>
+              <a:t>19/04/2022</a:t>
             </a:fld>
             <a:endParaRPr lang="fr-CA"/>
           </a:p>
@@ -2202,7 +2225,7 @@
               <a:pPr>
                 <a:defRPr/>
               </a:pPr>
-              <a:t>29/01/2015</a:t>
+              <a:t>19/04/2022</a:t>
             </a:fld>
             <a:endParaRPr lang="fr-CA"/>
           </a:p>
@@ -2317,7 +2340,7 @@
           </a:lstStyle>
           <a:p>
             <a:r>
-              <a:rPr lang="en-US" smtClean="0"/>
+              <a:rPr lang="en-US"/>
               <a:t>Click to edit Master title style</a:t>
             </a:r>
             <a:endParaRPr lang="fr-CA"/>
@@ -2374,35 +2397,35 @@
           <a:p>
             <a:pPr lvl="0"/>
             <a:r>
-              <a:rPr lang="en-US" smtClean="0"/>
+              <a:rPr lang="en-US"/>
               <a:t>Click to edit Master text styles</a:t>
             </a:r>
           </a:p>
           <a:p>
             <a:pPr lvl="1"/>
             <a:r>
-              <a:rPr lang="en-US" smtClean="0"/>
+              <a:rPr lang="en-US"/>
               <a:t>Second level</a:t>
             </a:r>
           </a:p>
           <a:p>
             <a:pPr lvl="2"/>
             <a:r>
-              <a:rPr lang="en-US" smtClean="0"/>
+              <a:rPr lang="en-US"/>
               <a:t>Third level</a:t>
             </a:r>
           </a:p>
           <a:p>
             <a:pPr lvl="3"/>
             <a:r>
-              <a:rPr lang="en-US" smtClean="0"/>
+              <a:rPr lang="en-US"/>
               <a:t>Fourth level</a:t>
             </a:r>
           </a:p>
           <a:p>
             <a:pPr lvl="4"/>
             <a:r>
-              <a:rPr lang="en-US" smtClean="0"/>
+              <a:rPr lang="en-US"/>
               <a:t>Fifth level</a:t>
             </a:r>
             <a:endParaRPr lang="fr-CA"/>
@@ -2468,7 +2491,7 @@
           <a:p>
             <a:pPr lvl="0"/>
             <a:r>
-              <a:rPr lang="en-US" smtClean="0"/>
+              <a:rPr lang="en-US"/>
               <a:t>Click to edit Master text styles</a:t>
             </a:r>
           </a:p>
@@ -2501,7 +2524,7 @@
               <a:pPr>
                 <a:defRPr/>
               </a:pPr>
-              <a:t>29/01/2015</a:t>
+              <a:t>19/04/2022</a:t>
             </a:fld>
             <a:endParaRPr lang="fr-CA"/>
           </a:p>
@@ -2616,7 +2639,7 @@
           </a:lstStyle>
           <a:p>
             <a:r>
-              <a:rPr lang="en-US" smtClean="0"/>
+              <a:rPr lang="en-US"/>
               <a:t>Click to edit Master title style</a:t>
             </a:r>
             <a:endParaRPr lang="fr-CA"/>
@@ -2684,10 +2707,10 @@
           <a:p>
             <a:pPr lvl="0"/>
             <a:r>
-              <a:rPr lang="en-US" noProof="0" smtClean="0"/>
+              <a:rPr lang="en-US" noProof="0"/>
               <a:t>Click icon to add picture</a:t>
             </a:r>
-            <a:endParaRPr lang="fr-CA" noProof="0" smtClean="0"/>
+            <a:endParaRPr lang="fr-CA" noProof="0"/>
           </a:p>
         </p:txBody>
       </p:sp>
@@ -2750,7 +2773,7 @@
           <a:p>
             <a:pPr lvl="0"/>
             <a:r>
-              <a:rPr lang="en-US" smtClean="0"/>
+              <a:rPr lang="en-US"/>
               <a:t>Click to edit Master text styles</a:t>
             </a:r>
           </a:p>
@@ -2783,7 +2806,7 @@
               <a:pPr>
                 <a:defRPr/>
               </a:pPr>
-              <a:t>29/01/2015</a:t>
+              <a:t>19/04/2022</a:t>
             </a:fld>
             <a:endParaRPr lang="fr-CA"/>
           </a:p>
@@ -2921,10 +2944,10 @@
           <a:p>
             <a:pPr lvl="0"/>
             <a:r>
-              <a:rPr lang="fr-FR" smtClean="0"/>
+              <a:rPr lang="fr-FR"/>
               <a:t>Cliquez pour modifier le style du titre</a:t>
             </a:r>
-            <a:endParaRPr lang="fr-CA" smtClean="0"/>
+            <a:endParaRPr lang="fr-CA"/>
           </a:p>
         </p:txBody>
       </p:sp>
@@ -2964,38 +2987,38 @@
           <a:p>
             <a:pPr lvl="0"/>
             <a:r>
-              <a:rPr lang="fr-FR" smtClean="0"/>
+              <a:rPr lang="fr-FR"/>
               <a:t>Cliquez pour modifier les styles du texte du masque</a:t>
             </a:r>
           </a:p>
           <a:p>
             <a:pPr lvl="1"/>
             <a:r>
-              <a:rPr lang="fr-FR" smtClean="0"/>
+              <a:rPr lang="fr-FR"/>
               <a:t>Deuxième niveau</a:t>
             </a:r>
           </a:p>
           <a:p>
             <a:pPr lvl="2"/>
             <a:r>
-              <a:rPr lang="fr-FR" smtClean="0"/>
+              <a:rPr lang="fr-FR"/>
               <a:t>Troisième niveau</a:t>
             </a:r>
           </a:p>
           <a:p>
             <a:pPr lvl="3"/>
             <a:r>
-              <a:rPr lang="fr-FR" smtClean="0"/>
+              <a:rPr lang="fr-FR"/>
               <a:t>Quatrième niveau</a:t>
             </a:r>
           </a:p>
           <a:p>
             <a:pPr lvl="4"/>
             <a:r>
-              <a:rPr lang="fr-FR" smtClean="0"/>
+              <a:rPr lang="fr-FR"/>
               <a:t>Cinquième niveau</a:t>
             </a:r>
-            <a:endParaRPr lang="fr-CA" smtClean="0"/>
+            <a:endParaRPr lang="fr-CA"/>
           </a:p>
         </p:txBody>
       </p:sp>
@@ -3047,7 +3070,7 @@
               <a:pPr>
                 <a:defRPr/>
               </a:pPr>
-              <a:t>29/01/2015</a:t>
+              <a:t>19/04/2022</a:t>
             </a:fld>
             <a:endParaRPr lang="fr-CA"/>
           </a:p>
@@ -3602,14 +3625,14 @@
           <a:lstStyle/>
           <a:p>
             <a:r>
-              <a:rPr lang="ro-RO" sz="4000" dirty="0" smtClean="0">
+              <a:rPr lang="ro-RO" sz="4000" dirty="0">
                 <a:solidFill>
                   <a:schemeClr val="bg1"/>
                 </a:solidFill>
               </a:rPr>
               <a:t>Mockito</a:t>
             </a:r>
-            <a:endParaRPr lang="fr-CA" sz="3800" dirty="0" smtClean="0">
+            <a:endParaRPr lang="fr-CA" sz="3800" dirty="0">
               <a:solidFill>
                 <a:schemeClr val="bg1"/>
               </a:solidFill>
@@ -3638,7 +3661,7 @@
           <a:lstStyle/>
           <a:p>
             <a:r>
-              <a:rPr lang="fr-CA" sz="2600" dirty="0" smtClean="0">
+              <a:rPr lang="fr-CA" sz="2600" dirty="0">
                 <a:solidFill>
                   <a:schemeClr val="bg1"/>
                 </a:solidFill>
@@ -3653,13 +3676,6 @@
   <p:clrMapOvr>
     <a:masterClrMapping/>
   </p:clrMapOvr>
-  <p:timing>
-    <p:tnLst>
-      <p:par>
-        <p:cTn id="1" dur="indefinite" restart="never" nodeType="tmRoot"/>
-      </p:par>
-    </p:tnLst>
-  </p:timing>
 </p:sld>
 </file>
 
@@ -3694,6 +3710,1626 @@
       </p:grpSpPr>
       <p:sp>
         <p:nvSpPr>
+          <p:cNvPr id="4098" name="Titre 3"/>
+          <p:cNvSpPr>
+            <a:spLocks noGrp="1"/>
+          </p:cNvSpPr>
+          <p:nvPr>
+            <p:ph type="title"/>
+          </p:nvPr>
+        </p:nvSpPr>
+        <p:spPr>
+          <a:xfrm>
+            <a:off x="228600" y="274638"/>
+            <a:ext cx="8686800" cy="1143000"/>
+          </a:xfrm>
+        </p:spPr>
+        <p:txBody>
+          <a:bodyPr/>
+          <a:lstStyle/>
+          <a:p>
+            <a:pPr lvl="1"/>
+            <a:r>
+              <a:rPr lang="ro-RO" sz="3200" dirty="0">
+                <a:solidFill>
+                  <a:schemeClr val="bg1"/>
+                </a:solidFill>
+              </a:rPr>
+              <a:t>Core (cont.)</a:t>
+            </a:r>
+            <a:endParaRPr lang="fr-CA" sz="3000" dirty="0">
+              <a:solidFill>
+                <a:schemeClr val="bg1"/>
+              </a:solidFill>
+            </a:endParaRPr>
+          </a:p>
+        </p:txBody>
+      </p:sp>
+      <p:sp>
+        <p:nvSpPr>
+          <p:cNvPr id="4099" name="Espace réservé du contenu 4"/>
+          <p:cNvSpPr>
+            <a:spLocks noGrp="1"/>
+          </p:cNvSpPr>
+          <p:nvPr>
+            <p:ph idx="1"/>
+          </p:nvPr>
+        </p:nvSpPr>
+        <p:spPr>
+          <a:xfrm>
+            <a:off x="76200" y="1981200"/>
+            <a:ext cx="8686800" cy="685800"/>
+          </a:xfrm>
+        </p:spPr>
+        <p:txBody>
+          <a:bodyPr/>
+          <a:lstStyle/>
+          <a:p>
+            <a:r>
+              <a:rPr lang="en-US" sz="1400" dirty="0">
+                <a:solidFill>
+                  <a:srgbClr val="3C5790"/>
+                </a:solidFill>
+              </a:rPr>
+              <a:t>Using a mock or spy object we can verify using </a:t>
+            </a:r>
+            <a:r>
+              <a:rPr lang="en-US" sz="1400" b="1" dirty="0">
+                <a:solidFill>
+                  <a:srgbClr val="3C5790"/>
+                </a:solidFill>
+              </a:rPr>
+              <a:t>verify</a:t>
+            </a:r>
+            <a:r>
+              <a:rPr lang="en-US" sz="1400" dirty="0">
+                <a:solidFill>
+                  <a:srgbClr val="3C5790"/>
+                </a:solidFill>
+              </a:rPr>
+              <a:t> method, if certain methods are invoked.</a:t>
+            </a:r>
+          </a:p>
+        </p:txBody>
+      </p:sp>
+      <p:pic>
+        <p:nvPicPr>
+          <p:cNvPr id="3" name="Picture 2">
+            <a:extLst>
+              <a:ext uri="{FF2B5EF4-FFF2-40B4-BE49-F238E27FC236}">
+                <a16:creationId xmlns:a16="http://schemas.microsoft.com/office/drawing/2014/main" id="{A3743D3B-E507-4C45-A9EE-689251DCB4BF}"/>
+              </a:ext>
+            </a:extLst>
+          </p:cNvPr>
+          <p:cNvPicPr>
+            <a:picLocks noChangeAspect="1"/>
+          </p:cNvPicPr>
+          <p:nvPr/>
+        </p:nvPicPr>
+        <p:blipFill>
+          <a:blip r:embed="rId3"/>
+          <a:stretch>
+            <a:fillRect/>
+          </a:stretch>
+        </p:blipFill>
+        <p:spPr>
+          <a:xfrm>
+            <a:off x="2781300" y="2943226"/>
+            <a:ext cx="3581400" cy="2495550"/>
+          </a:xfrm>
+          <a:prstGeom prst="rect">
+            <a:avLst/>
+          </a:prstGeom>
+        </p:spPr>
+      </p:pic>
+    </p:spTree>
+    <p:extLst>
+      <p:ext uri="{BB962C8B-B14F-4D97-AF65-F5344CB8AC3E}">
+        <p14:creationId xmlns:p14="http://schemas.microsoft.com/office/powerpoint/2010/main" val="2647473523"/>
+      </p:ext>
+    </p:extLst>
+  </p:cSld>
+  <p:clrMapOvr>
+    <a:masterClrMapping/>
+  </p:clrMapOvr>
+</p:sld>
+</file>
+
+<file path=ppt/slides/slide11.xml><?xml version="1.0" encoding="utf-8"?>
+<p:sld xmlns:a="http://schemas.openxmlformats.org/drawingml/2006/main" xmlns:r="http://schemas.openxmlformats.org/officeDocument/2006/relationships" xmlns:p="http://schemas.openxmlformats.org/presentationml/2006/main">
+  <p:cSld>
+    <p:bg>
+      <p:bgPr>
+        <a:blipFill dpi="0" rotWithShape="0">
+          <a:blip r:embed="rId2" cstate="print"/>
+          <a:srcRect/>
+          <a:stretch>
+            <a:fillRect/>
+          </a:stretch>
+        </a:blipFill>
+        <a:effectLst/>
+      </p:bgPr>
+    </p:bg>
+    <p:spTree>
+      <p:nvGrpSpPr>
+        <p:cNvPr id="1" name=""/>
+        <p:cNvGrpSpPr/>
+        <p:nvPr/>
+      </p:nvGrpSpPr>
+      <p:grpSpPr>
+        <a:xfrm>
+          <a:off x="0" y="0"/>
+          <a:ext cx="0" cy="0"/>
+          <a:chOff x="0" y="0"/>
+          <a:chExt cx="0" cy="0"/>
+        </a:xfrm>
+      </p:grpSpPr>
+      <p:sp>
+        <p:nvSpPr>
+          <p:cNvPr id="4098" name="Titre 3"/>
+          <p:cNvSpPr>
+            <a:spLocks noGrp="1"/>
+          </p:cNvSpPr>
+          <p:nvPr>
+            <p:ph type="title"/>
+          </p:nvPr>
+        </p:nvSpPr>
+        <p:spPr>
+          <a:xfrm>
+            <a:off x="228600" y="274638"/>
+            <a:ext cx="8686800" cy="1143000"/>
+          </a:xfrm>
+        </p:spPr>
+        <p:txBody>
+          <a:bodyPr/>
+          <a:lstStyle/>
+          <a:p>
+            <a:pPr lvl="1"/>
+            <a:r>
+              <a:rPr lang="ro-RO" sz="3200" dirty="0">
+                <a:solidFill>
+                  <a:schemeClr val="bg1"/>
+                </a:solidFill>
+              </a:rPr>
+              <a:t>Core (cont.)</a:t>
+            </a:r>
+            <a:endParaRPr lang="fr-CA" sz="3000" dirty="0">
+              <a:solidFill>
+                <a:schemeClr val="bg1"/>
+              </a:solidFill>
+            </a:endParaRPr>
+          </a:p>
+        </p:txBody>
+      </p:sp>
+      <p:sp>
+        <p:nvSpPr>
+          <p:cNvPr id="4099" name="Espace réservé du contenu 4"/>
+          <p:cNvSpPr>
+            <a:spLocks noGrp="1"/>
+          </p:cNvSpPr>
+          <p:nvPr>
+            <p:ph idx="1"/>
+          </p:nvPr>
+        </p:nvSpPr>
+        <p:spPr>
+          <a:xfrm>
+            <a:off x="76200" y="1981200"/>
+            <a:ext cx="8686800" cy="533400"/>
+          </a:xfrm>
+        </p:spPr>
+        <p:txBody>
+          <a:bodyPr/>
+          <a:lstStyle/>
+          <a:p>
+            <a:r>
+              <a:rPr lang="en-US" sz="1400" dirty="0">
+                <a:solidFill>
+                  <a:srgbClr val="3C5790"/>
+                </a:solidFill>
+              </a:rPr>
+              <a:t>We can verify the exact number of invocation using </a:t>
+            </a:r>
+            <a:r>
+              <a:rPr lang="en-US" sz="1400" b="1" dirty="0">
+                <a:solidFill>
+                  <a:srgbClr val="3C5790"/>
+                </a:solidFill>
+              </a:rPr>
+              <a:t>times</a:t>
+            </a:r>
+            <a:r>
+              <a:rPr lang="en-US" sz="1400" dirty="0">
+                <a:solidFill>
+                  <a:srgbClr val="3C5790"/>
+                </a:solidFill>
+              </a:rPr>
+              <a:t>(), </a:t>
+            </a:r>
+            <a:r>
+              <a:rPr lang="en-US" sz="1400" b="1" dirty="0">
+                <a:solidFill>
+                  <a:srgbClr val="3C5790"/>
+                </a:solidFill>
+              </a:rPr>
+              <a:t>never</a:t>
+            </a:r>
+            <a:r>
+              <a:rPr lang="en-US" sz="1400" dirty="0">
+                <a:solidFill>
+                  <a:srgbClr val="3C5790"/>
+                </a:solidFill>
+              </a:rPr>
+              <a:t>(), </a:t>
+            </a:r>
+            <a:r>
+              <a:rPr lang="en-US" sz="1400" b="1" dirty="0" err="1">
+                <a:solidFill>
+                  <a:srgbClr val="3C5790"/>
+                </a:solidFill>
+              </a:rPr>
+              <a:t>atLeats</a:t>
+            </a:r>
+            <a:r>
+              <a:rPr lang="en-US" sz="1400" dirty="0">
+                <a:solidFill>
+                  <a:srgbClr val="3C5790"/>
+                </a:solidFill>
+              </a:rPr>
+              <a:t>(), </a:t>
+            </a:r>
+            <a:r>
+              <a:rPr lang="en-US" sz="1400" b="1" dirty="0" err="1">
+                <a:solidFill>
+                  <a:srgbClr val="3C5790"/>
+                </a:solidFill>
+              </a:rPr>
+              <a:t>atMost</a:t>
+            </a:r>
+            <a:r>
+              <a:rPr lang="en-US" sz="1400" dirty="0">
+                <a:solidFill>
+                  <a:srgbClr val="3C5790"/>
+                </a:solidFill>
+              </a:rPr>
+              <a:t>() methods.</a:t>
+            </a:r>
+          </a:p>
+        </p:txBody>
+      </p:sp>
+      <p:pic>
+        <p:nvPicPr>
+          <p:cNvPr id="4" name="Picture 3">
+            <a:extLst>
+              <a:ext uri="{FF2B5EF4-FFF2-40B4-BE49-F238E27FC236}">
+                <a16:creationId xmlns:a16="http://schemas.microsoft.com/office/drawing/2014/main" id="{8FEEB3B0-6DEE-414A-934F-DD4DF368AB67}"/>
+              </a:ext>
+            </a:extLst>
+          </p:cNvPr>
+          <p:cNvPicPr>
+            <a:picLocks noChangeAspect="1"/>
+          </p:cNvPicPr>
+          <p:nvPr/>
+        </p:nvPicPr>
+        <p:blipFill>
+          <a:blip r:embed="rId3"/>
+          <a:stretch>
+            <a:fillRect/>
+          </a:stretch>
+        </p:blipFill>
+        <p:spPr>
+          <a:xfrm>
+            <a:off x="514350" y="2667000"/>
+            <a:ext cx="8115300" cy="3810000"/>
+          </a:xfrm>
+          <a:prstGeom prst="rect">
+            <a:avLst/>
+          </a:prstGeom>
+        </p:spPr>
+      </p:pic>
+    </p:spTree>
+    <p:extLst>
+      <p:ext uri="{BB962C8B-B14F-4D97-AF65-F5344CB8AC3E}">
+        <p14:creationId xmlns:p14="http://schemas.microsoft.com/office/powerpoint/2010/main" val="1185770722"/>
+      </p:ext>
+    </p:extLst>
+  </p:cSld>
+  <p:clrMapOvr>
+    <a:masterClrMapping/>
+  </p:clrMapOvr>
+</p:sld>
+</file>
+
+<file path=ppt/slides/slide12.xml><?xml version="1.0" encoding="utf-8"?>
+<p:sld xmlns:a="http://schemas.openxmlformats.org/drawingml/2006/main" xmlns:r="http://schemas.openxmlformats.org/officeDocument/2006/relationships" xmlns:p="http://schemas.openxmlformats.org/presentationml/2006/main">
+  <p:cSld>
+    <p:bg>
+      <p:bgPr>
+        <a:blipFill dpi="0" rotWithShape="0">
+          <a:blip r:embed="rId2" cstate="print"/>
+          <a:srcRect/>
+          <a:stretch>
+            <a:fillRect/>
+          </a:stretch>
+        </a:blipFill>
+        <a:effectLst/>
+      </p:bgPr>
+    </p:bg>
+    <p:spTree>
+      <p:nvGrpSpPr>
+        <p:cNvPr id="1" name=""/>
+        <p:cNvGrpSpPr/>
+        <p:nvPr/>
+      </p:nvGrpSpPr>
+      <p:grpSpPr>
+        <a:xfrm>
+          <a:off x="0" y="0"/>
+          <a:ext cx="0" cy="0"/>
+          <a:chOff x="0" y="0"/>
+          <a:chExt cx="0" cy="0"/>
+        </a:xfrm>
+      </p:grpSpPr>
+      <p:sp>
+        <p:nvSpPr>
+          <p:cNvPr id="4098" name="Titre 3"/>
+          <p:cNvSpPr>
+            <a:spLocks noGrp="1"/>
+          </p:cNvSpPr>
+          <p:nvPr>
+            <p:ph type="title"/>
+          </p:nvPr>
+        </p:nvSpPr>
+        <p:spPr>
+          <a:xfrm>
+            <a:off x="228600" y="274638"/>
+            <a:ext cx="8686800" cy="1143000"/>
+          </a:xfrm>
+        </p:spPr>
+        <p:txBody>
+          <a:bodyPr/>
+          <a:lstStyle/>
+          <a:p>
+            <a:pPr lvl="1"/>
+            <a:r>
+              <a:rPr lang="ro-RO" sz="3200" dirty="0">
+                <a:solidFill>
+                  <a:schemeClr val="bg1"/>
+                </a:solidFill>
+              </a:rPr>
+              <a:t>Core (cont.)</a:t>
+            </a:r>
+            <a:endParaRPr lang="fr-CA" sz="3000" dirty="0">
+              <a:solidFill>
+                <a:schemeClr val="bg1"/>
+              </a:solidFill>
+            </a:endParaRPr>
+          </a:p>
+        </p:txBody>
+      </p:sp>
+      <p:sp>
+        <p:nvSpPr>
+          <p:cNvPr id="4099" name="Espace réservé du contenu 4"/>
+          <p:cNvSpPr>
+            <a:spLocks noGrp="1"/>
+          </p:cNvSpPr>
+          <p:nvPr>
+            <p:ph idx="1"/>
+          </p:nvPr>
+        </p:nvSpPr>
+        <p:spPr>
+          <a:xfrm>
+            <a:off x="76200" y="1905000"/>
+            <a:ext cx="8686800" cy="533400"/>
+          </a:xfrm>
+        </p:spPr>
+        <p:txBody>
+          <a:bodyPr/>
+          <a:lstStyle/>
+          <a:p>
+            <a:r>
+              <a:rPr lang="en-US" sz="1400" dirty="0">
+                <a:solidFill>
+                  <a:srgbClr val="3C5790"/>
+                </a:solidFill>
+              </a:rPr>
+              <a:t>We can verify that mocks are invoked in a particular order, using </a:t>
+            </a:r>
+            <a:r>
+              <a:rPr lang="en-US" sz="1400" b="1" dirty="0" err="1">
+                <a:solidFill>
+                  <a:srgbClr val="3C5790"/>
+                </a:solidFill>
+              </a:rPr>
+              <a:t>InOder</a:t>
+            </a:r>
+            <a:r>
+              <a:rPr lang="en-US" sz="1400" dirty="0">
+                <a:solidFill>
+                  <a:srgbClr val="3C5790"/>
+                </a:solidFill>
+              </a:rPr>
+              <a:t>.</a:t>
+            </a:r>
+          </a:p>
+        </p:txBody>
+      </p:sp>
+      <p:pic>
+        <p:nvPicPr>
+          <p:cNvPr id="3" name="Picture 2">
+            <a:extLst>
+              <a:ext uri="{FF2B5EF4-FFF2-40B4-BE49-F238E27FC236}">
+                <a16:creationId xmlns:a16="http://schemas.microsoft.com/office/drawing/2014/main" id="{F54D8168-DFD9-40B4-BBEA-39D136CBB7F9}"/>
+              </a:ext>
+            </a:extLst>
+          </p:cNvPr>
+          <p:cNvPicPr>
+            <a:picLocks noChangeAspect="1"/>
+          </p:cNvPicPr>
+          <p:nvPr/>
+        </p:nvPicPr>
+        <p:blipFill>
+          <a:blip r:embed="rId3"/>
+          <a:stretch>
+            <a:fillRect/>
+          </a:stretch>
+        </p:blipFill>
+        <p:spPr>
+          <a:xfrm>
+            <a:off x="533400" y="2286000"/>
+            <a:ext cx="7010400" cy="4452902"/>
+          </a:xfrm>
+          <a:prstGeom prst="rect">
+            <a:avLst/>
+          </a:prstGeom>
+        </p:spPr>
+      </p:pic>
+    </p:spTree>
+    <p:extLst>
+      <p:ext uri="{BB962C8B-B14F-4D97-AF65-F5344CB8AC3E}">
+        <p14:creationId xmlns:p14="http://schemas.microsoft.com/office/powerpoint/2010/main" val="3710165917"/>
+      </p:ext>
+    </p:extLst>
+  </p:cSld>
+  <p:clrMapOvr>
+    <a:masterClrMapping/>
+  </p:clrMapOvr>
+</p:sld>
+</file>
+
+<file path=ppt/slides/slide13.xml><?xml version="1.0" encoding="utf-8"?>
+<p:sld xmlns:a="http://schemas.openxmlformats.org/drawingml/2006/main" xmlns:r="http://schemas.openxmlformats.org/officeDocument/2006/relationships" xmlns:p="http://schemas.openxmlformats.org/presentationml/2006/main">
+  <p:cSld>
+    <p:bg>
+      <p:bgPr>
+        <a:blipFill dpi="0" rotWithShape="0">
+          <a:blip r:embed="rId2" cstate="print"/>
+          <a:srcRect/>
+          <a:stretch>
+            <a:fillRect/>
+          </a:stretch>
+        </a:blipFill>
+        <a:effectLst/>
+      </p:bgPr>
+    </p:bg>
+    <p:spTree>
+      <p:nvGrpSpPr>
+        <p:cNvPr id="1" name=""/>
+        <p:cNvGrpSpPr/>
+        <p:nvPr/>
+      </p:nvGrpSpPr>
+      <p:grpSpPr>
+        <a:xfrm>
+          <a:off x="0" y="0"/>
+          <a:ext cx="0" cy="0"/>
+          <a:chOff x="0" y="0"/>
+          <a:chExt cx="0" cy="0"/>
+        </a:xfrm>
+      </p:grpSpPr>
+      <p:sp>
+        <p:nvSpPr>
+          <p:cNvPr id="4098" name="Titre 3"/>
+          <p:cNvSpPr>
+            <a:spLocks noGrp="1"/>
+          </p:cNvSpPr>
+          <p:nvPr>
+            <p:ph type="title"/>
+          </p:nvPr>
+        </p:nvSpPr>
+        <p:spPr>
+          <a:xfrm>
+            <a:off x="228600" y="274638"/>
+            <a:ext cx="8686800" cy="1143000"/>
+          </a:xfrm>
+        </p:spPr>
+        <p:txBody>
+          <a:bodyPr/>
+          <a:lstStyle/>
+          <a:p>
+            <a:pPr lvl="1"/>
+            <a:r>
+              <a:rPr lang="ro-RO" sz="3200" dirty="0">
+                <a:solidFill>
+                  <a:schemeClr val="bg1"/>
+                </a:solidFill>
+              </a:rPr>
+              <a:t>Core (cont.)</a:t>
+            </a:r>
+            <a:endParaRPr lang="fr-CA" sz="3000" dirty="0">
+              <a:solidFill>
+                <a:schemeClr val="bg1"/>
+              </a:solidFill>
+            </a:endParaRPr>
+          </a:p>
+        </p:txBody>
+      </p:sp>
+      <p:sp>
+        <p:nvSpPr>
+          <p:cNvPr id="4099" name="Espace réservé du contenu 4"/>
+          <p:cNvSpPr>
+            <a:spLocks noGrp="1"/>
+          </p:cNvSpPr>
+          <p:nvPr>
+            <p:ph idx="1"/>
+          </p:nvPr>
+        </p:nvSpPr>
+        <p:spPr>
+          <a:xfrm>
+            <a:off x="76200" y="1905000"/>
+            <a:ext cx="8686800" cy="1524000"/>
+          </a:xfrm>
+        </p:spPr>
+        <p:txBody>
+          <a:bodyPr/>
+          <a:lstStyle/>
+          <a:p>
+            <a:r>
+              <a:rPr lang="en-US" sz="1400" dirty="0">
+                <a:solidFill>
+                  <a:srgbClr val="3C5790"/>
+                </a:solidFill>
+              </a:rPr>
+              <a:t>Since Mockito 2.1.0, Mockito can now mock final types, </a:t>
+            </a:r>
+            <a:r>
+              <a:rPr lang="en-US" sz="1400" dirty="0" err="1">
+                <a:solidFill>
+                  <a:srgbClr val="3C5790"/>
+                </a:solidFill>
+              </a:rPr>
+              <a:t>enums</a:t>
+            </a:r>
+            <a:r>
+              <a:rPr lang="en-US" sz="1400" dirty="0">
+                <a:solidFill>
+                  <a:srgbClr val="3C5790"/>
+                </a:solidFill>
+              </a:rPr>
+              <a:t> and final methods.</a:t>
+            </a:r>
+          </a:p>
+          <a:p>
+            <a:r>
+              <a:rPr lang="en-US" sz="1400" dirty="0">
+                <a:solidFill>
+                  <a:srgbClr val="3C5790"/>
+                </a:solidFill>
+              </a:rPr>
+              <a:t>Previously they were considered </a:t>
+            </a:r>
+            <a:r>
+              <a:rPr lang="en-US" sz="1400" dirty="0" err="1">
+                <a:solidFill>
+                  <a:srgbClr val="3C5790"/>
+                </a:solidFill>
+              </a:rPr>
+              <a:t>unmockable</a:t>
+            </a:r>
+            <a:r>
+              <a:rPr lang="en-US" sz="1400" dirty="0">
+                <a:solidFill>
+                  <a:srgbClr val="3C5790"/>
+                </a:solidFill>
+              </a:rPr>
+              <a:t>, preventing the user from mocking.</a:t>
+            </a:r>
+          </a:p>
+          <a:p>
+            <a:r>
+              <a:rPr lang="en-US" sz="1400" dirty="0">
+                <a:solidFill>
+                  <a:srgbClr val="3C5790"/>
+                </a:solidFill>
+              </a:rPr>
+              <a:t>The mock maker is turned off by default.</a:t>
+            </a:r>
+          </a:p>
+          <a:p>
+            <a:r>
+              <a:rPr lang="en-US" sz="1400" dirty="0">
+                <a:solidFill>
+                  <a:srgbClr val="3C5790"/>
+                </a:solidFill>
+              </a:rPr>
+              <a:t>The feature can be activated setting</a:t>
+            </a:r>
+            <a:r>
+              <a:rPr lang="en-US" sz="1400" b="1" dirty="0">
+                <a:solidFill>
+                  <a:srgbClr val="3C5790"/>
+                </a:solidFill>
+              </a:rPr>
+              <a:t> /</a:t>
+            </a:r>
+            <a:r>
+              <a:rPr lang="en-US" sz="1400" b="1" dirty="0" err="1">
+                <a:solidFill>
+                  <a:srgbClr val="3C5790"/>
+                </a:solidFill>
+              </a:rPr>
+              <a:t>mockito</a:t>
+            </a:r>
+            <a:r>
+              <a:rPr lang="en-US" sz="1400" b="1" dirty="0">
+                <a:solidFill>
+                  <a:srgbClr val="3C5790"/>
+                </a:solidFill>
+              </a:rPr>
+              <a:t>-extensions/</a:t>
+            </a:r>
+            <a:r>
+              <a:rPr lang="en-US" sz="1400" b="1" dirty="0" err="1">
+                <a:solidFill>
+                  <a:srgbClr val="3C5790"/>
+                </a:solidFill>
+              </a:rPr>
+              <a:t>org.mockito.plugins.MockMaker</a:t>
+            </a:r>
+            <a:r>
+              <a:rPr lang="en-US" sz="1400" dirty="0">
+                <a:solidFill>
+                  <a:srgbClr val="3C5790"/>
+                </a:solidFill>
+              </a:rPr>
+              <a:t> the value "</a:t>
+            </a:r>
+            <a:r>
+              <a:rPr lang="en-US" sz="1400" b="1" dirty="0">
+                <a:solidFill>
+                  <a:srgbClr val="3C5790"/>
+                </a:solidFill>
+              </a:rPr>
+              <a:t>mock-maker-inline</a:t>
+            </a:r>
+            <a:r>
+              <a:rPr lang="en-US" sz="1400" dirty="0">
+                <a:solidFill>
+                  <a:srgbClr val="3C5790"/>
+                </a:solidFill>
+              </a:rPr>
+              <a:t>".</a:t>
+            </a:r>
+          </a:p>
+        </p:txBody>
+      </p:sp>
+    </p:spTree>
+    <p:extLst>
+      <p:ext uri="{BB962C8B-B14F-4D97-AF65-F5344CB8AC3E}">
+        <p14:creationId xmlns:p14="http://schemas.microsoft.com/office/powerpoint/2010/main" val="2300021660"/>
+      </p:ext>
+    </p:extLst>
+  </p:cSld>
+  <p:clrMapOvr>
+    <a:masterClrMapping/>
+  </p:clrMapOvr>
+</p:sld>
+</file>
+
+<file path=ppt/slides/slide14.xml><?xml version="1.0" encoding="utf-8"?>
+<p:sld xmlns:a="http://schemas.openxmlformats.org/drawingml/2006/main" xmlns:r="http://schemas.openxmlformats.org/officeDocument/2006/relationships" xmlns:p="http://schemas.openxmlformats.org/presentationml/2006/main">
+  <p:cSld>
+    <p:bg>
+      <p:bgPr>
+        <a:blipFill dpi="0" rotWithShape="0">
+          <a:blip r:embed="rId2" cstate="print"/>
+          <a:srcRect/>
+          <a:stretch>
+            <a:fillRect/>
+          </a:stretch>
+        </a:blipFill>
+        <a:effectLst/>
+      </p:bgPr>
+    </p:bg>
+    <p:spTree>
+      <p:nvGrpSpPr>
+        <p:cNvPr id="1" name=""/>
+        <p:cNvGrpSpPr/>
+        <p:nvPr/>
+      </p:nvGrpSpPr>
+      <p:grpSpPr>
+        <a:xfrm>
+          <a:off x="0" y="0"/>
+          <a:ext cx="0" cy="0"/>
+          <a:chOff x="0" y="0"/>
+          <a:chExt cx="0" cy="0"/>
+        </a:xfrm>
+      </p:grpSpPr>
+      <p:sp>
+        <p:nvSpPr>
+          <p:cNvPr id="4098" name="Titre 3"/>
+          <p:cNvSpPr>
+            <a:spLocks noGrp="1"/>
+          </p:cNvSpPr>
+          <p:nvPr>
+            <p:ph type="title"/>
+          </p:nvPr>
+        </p:nvSpPr>
+        <p:spPr>
+          <a:xfrm>
+            <a:off x="228600" y="274638"/>
+            <a:ext cx="8686800" cy="1143000"/>
+          </a:xfrm>
+        </p:spPr>
+        <p:txBody>
+          <a:bodyPr/>
+          <a:lstStyle/>
+          <a:p>
+            <a:pPr lvl="1"/>
+            <a:r>
+              <a:rPr lang="ro-RO" sz="3200" dirty="0">
+                <a:solidFill>
+                  <a:schemeClr val="bg1"/>
+                </a:solidFill>
+              </a:rPr>
+              <a:t>Core (cont.)</a:t>
+            </a:r>
+            <a:endParaRPr lang="fr-CA" sz="3000" dirty="0">
+              <a:solidFill>
+                <a:schemeClr val="bg1"/>
+              </a:solidFill>
+            </a:endParaRPr>
+          </a:p>
+        </p:txBody>
+      </p:sp>
+      <p:sp>
+        <p:nvSpPr>
+          <p:cNvPr id="4099" name="Espace réservé du contenu 4"/>
+          <p:cNvSpPr>
+            <a:spLocks noGrp="1"/>
+          </p:cNvSpPr>
+          <p:nvPr>
+            <p:ph idx="1"/>
+          </p:nvPr>
+        </p:nvSpPr>
+        <p:spPr>
+          <a:xfrm>
+            <a:off x="76200" y="1905000"/>
+            <a:ext cx="8686800" cy="2971800"/>
+          </a:xfrm>
+        </p:spPr>
+        <p:txBody>
+          <a:bodyPr/>
+          <a:lstStyle/>
+          <a:p>
+            <a:r>
+              <a:rPr lang="en-US" sz="1400" dirty="0">
+                <a:solidFill>
+                  <a:srgbClr val="3C5790"/>
+                </a:solidFill>
+              </a:rPr>
+              <a:t>Mockito can </a:t>
+            </a:r>
+            <a:r>
+              <a:rPr lang="en-US" sz="1400" b="1" dirty="0">
+                <a:solidFill>
+                  <a:srgbClr val="3C5790"/>
+                </a:solidFill>
+              </a:rPr>
+              <a:t>mock static methods </a:t>
+            </a:r>
+            <a:r>
+              <a:rPr lang="en-US" sz="1400" dirty="0">
+                <a:solidFill>
+                  <a:srgbClr val="3C5790"/>
+                </a:solidFill>
+              </a:rPr>
+              <a:t>since version 3.4.0.</a:t>
+            </a:r>
+          </a:p>
+          <a:p>
+            <a:r>
+              <a:rPr lang="en-US" sz="1400" dirty="0">
+                <a:solidFill>
+                  <a:srgbClr val="3C5790"/>
+                </a:solidFill>
+              </a:rPr>
+              <a:t>To make sure a static mock remains temporary, it is recommended to define the scope within a try-with-resources construct.</a:t>
+            </a:r>
+          </a:p>
+          <a:p>
+            <a:r>
+              <a:rPr lang="en-US" sz="1400" dirty="0" err="1">
+                <a:solidFill>
+                  <a:srgbClr val="3C5790"/>
+                </a:solidFill>
+              </a:rPr>
+              <a:t>assertEquals</a:t>
+            </a:r>
+            <a:r>
+              <a:rPr lang="en-US" sz="1400" dirty="0">
+                <a:solidFill>
+                  <a:srgbClr val="3C5790"/>
+                </a:solidFill>
+              </a:rPr>
+              <a:t>("foo", </a:t>
+            </a:r>
+            <a:r>
+              <a:rPr lang="en-US" sz="1400" dirty="0" err="1">
+                <a:solidFill>
+                  <a:srgbClr val="3C5790"/>
+                </a:solidFill>
+              </a:rPr>
+              <a:t>Foo.method</a:t>
+            </a:r>
+            <a:r>
+              <a:rPr lang="en-US" sz="1400" dirty="0">
+                <a:solidFill>
+                  <a:srgbClr val="3C5790"/>
+                </a:solidFill>
+              </a:rPr>
+              <a:t>());</a:t>
+            </a:r>
+          </a:p>
+          <a:p>
+            <a:r>
+              <a:rPr lang="en-US" sz="1400" dirty="0">
+                <a:solidFill>
+                  <a:srgbClr val="3C5790"/>
+                </a:solidFill>
+              </a:rPr>
+              <a:t>try (</a:t>
+            </a:r>
+            <a:r>
+              <a:rPr lang="en-US" sz="1400" dirty="0" err="1">
+                <a:solidFill>
+                  <a:srgbClr val="3C5790"/>
+                </a:solidFill>
+              </a:rPr>
+              <a:t>MockedStatic</a:t>
+            </a:r>
+            <a:r>
+              <a:rPr lang="en-US" sz="1400" dirty="0">
+                <a:solidFill>
+                  <a:srgbClr val="3C5790"/>
+                </a:solidFill>
+              </a:rPr>
+              <a:t> mocked = </a:t>
+            </a:r>
+            <a:r>
+              <a:rPr lang="en-US" sz="1400" dirty="0" err="1">
+                <a:solidFill>
+                  <a:srgbClr val="3C5790"/>
+                </a:solidFill>
+              </a:rPr>
+              <a:t>mockStatic</a:t>
+            </a:r>
+            <a:r>
+              <a:rPr lang="en-US" sz="1400" dirty="0">
+                <a:solidFill>
+                  <a:srgbClr val="3C5790"/>
+                </a:solidFill>
+              </a:rPr>
+              <a:t>(</a:t>
+            </a:r>
+            <a:r>
+              <a:rPr lang="en-US" sz="1400" dirty="0" err="1">
+                <a:solidFill>
+                  <a:srgbClr val="3C5790"/>
+                </a:solidFill>
+              </a:rPr>
+              <a:t>Foo.class</a:t>
+            </a:r>
+            <a:r>
+              <a:rPr lang="en-US" sz="1400" dirty="0">
+                <a:solidFill>
+                  <a:srgbClr val="3C5790"/>
+                </a:solidFill>
+              </a:rPr>
+              <a:t>)) {</a:t>
+            </a:r>
+          </a:p>
+          <a:p>
+            <a:r>
+              <a:rPr lang="en-US" sz="1400" dirty="0">
+                <a:solidFill>
+                  <a:srgbClr val="3C5790"/>
+                </a:solidFill>
+              </a:rPr>
+              <a:t>      </a:t>
+            </a:r>
+            <a:r>
+              <a:rPr lang="en-US" sz="1400" dirty="0" err="1">
+                <a:solidFill>
+                  <a:srgbClr val="3C5790"/>
+                </a:solidFill>
+              </a:rPr>
+              <a:t>mocked.when</a:t>
+            </a:r>
+            <a:r>
+              <a:rPr lang="en-US" sz="1400" dirty="0">
+                <a:solidFill>
+                  <a:srgbClr val="3C5790"/>
+                </a:solidFill>
+              </a:rPr>
+              <a:t>(Foo::method).</a:t>
+            </a:r>
+            <a:r>
+              <a:rPr lang="en-US" sz="1400" dirty="0" err="1">
+                <a:solidFill>
+                  <a:srgbClr val="3C5790"/>
+                </a:solidFill>
+              </a:rPr>
+              <a:t>thenReturn</a:t>
+            </a:r>
+            <a:r>
+              <a:rPr lang="en-US" sz="1400" dirty="0">
+                <a:solidFill>
+                  <a:srgbClr val="3C5790"/>
+                </a:solidFill>
+              </a:rPr>
+              <a:t>("bar");</a:t>
+            </a:r>
+          </a:p>
+          <a:p>
+            <a:r>
+              <a:rPr lang="en-US" sz="1400" dirty="0">
+                <a:solidFill>
+                  <a:srgbClr val="3C5790"/>
+                </a:solidFill>
+              </a:rPr>
+              <a:t>       </a:t>
+            </a:r>
+            <a:r>
+              <a:rPr lang="en-US" sz="1400" dirty="0" err="1">
+                <a:solidFill>
+                  <a:srgbClr val="3C5790"/>
+                </a:solidFill>
+              </a:rPr>
+              <a:t>assertEquals</a:t>
+            </a:r>
+            <a:r>
+              <a:rPr lang="en-US" sz="1400" dirty="0">
+                <a:solidFill>
+                  <a:srgbClr val="3C5790"/>
+                </a:solidFill>
+              </a:rPr>
+              <a:t>("bar", </a:t>
+            </a:r>
+            <a:r>
+              <a:rPr lang="en-US" sz="1400" dirty="0" err="1">
+                <a:solidFill>
+                  <a:srgbClr val="3C5790"/>
+                </a:solidFill>
+              </a:rPr>
+              <a:t>Foo.method</a:t>
+            </a:r>
+            <a:r>
+              <a:rPr lang="en-US" sz="1400" dirty="0">
+                <a:solidFill>
+                  <a:srgbClr val="3C5790"/>
+                </a:solidFill>
+              </a:rPr>
+              <a:t>());</a:t>
+            </a:r>
+          </a:p>
+          <a:p>
+            <a:r>
+              <a:rPr lang="en-US" sz="1400" dirty="0">
+                <a:solidFill>
+                  <a:srgbClr val="3C5790"/>
+                </a:solidFill>
+              </a:rPr>
+              <a:t>       </a:t>
+            </a:r>
+            <a:r>
+              <a:rPr lang="en-US" sz="1400" dirty="0" err="1">
+                <a:solidFill>
+                  <a:srgbClr val="3C5790"/>
+                </a:solidFill>
+              </a:rPr>
+              <a:t>mocked.verify</a:t>
+            </a:r>
+            <a:r>
+              <a:rPr lang="en-US" sz="1400" dirty="0">
+                <a:solidFill>
+                  <a:srgbClr val="3C5790"/>
+                </a:solidFill>
+              </a:rPr>
+              <a:t>(Foo::method);</a:t>
+            </a:r>
+          </a:p>
+          <a:p>
+            <a:r>
+              <a:rPr lang="en-US" sz="1400" dirty="0">
+                <a:solidFill>
+                  <a:srgbClr val="3C5790"/>
+                </a:solidFill>
+              </a:rPr>
+              <a:t> }</a:t>
+            </a:r>
+          </a:p>
+          <a:p>
+            <a:r>
+              <a:rPr lang="en-US" sz="1400" dirty="0">
+                <a:solidFill>
+                  <a:srgbClr val="3C5790"/>
+                </a:solidFill>
+              </a:rPr>
+              <a:t> </a:t>
+            </a:r>
+            <a:r>
+              <a:rPr lang="en-US" sz="1400" dirty="0" err="1">
+                <a:solidFill>
+                  <a:srgbClr val="3C5790"/>
+                </a:solidFill>
+              </a:rPr>
+              <a:t>assertEquals</a:t>
+            </a:r>
+            <a:r>
+              <a:rPr lang="en-US" sz="1400" dirty="0">
+                <a:solidFill>
+                  <a:srgbClr val="3C5790"/>
+                </a:solidFill>
+              </a:rPr>
+              <a:t>("foo", </a:t>
+            </a:r>
+            <a:r>
+              <a:rPr lang="en-US" sz="1400" dirty="0" err="1">
+                <a:solidFill>
+                  <a:srgbClr val="3C5790"/>
+                </a:solidFill>
+              </a:rPr>
+              <a:t>Foo.method</a:t>
+            </a:r>
+            <a:r>
+              <a:rPr lang="en-US" sz="1400" dirty="0">
+                <a:solidFill>
+                  <a:srgbClr val="3C5790"/>
+                </a:solidFill>
+              </a:rPr>
+              <a:t>());</a:t>
+            </a:r>
+          </a:p>
+        </p:txBody>
+      </p:sp>
+    </p:spTree>
+    <p:extLst>
+      <p:ext uri="{BB962C8B-B14F-4D97-AF65-F5344CB8AC3E}">
+        <p14:creationId xmlns:p14="http://schemas.microsoft.com/office/powerpoint/2010/main" val="3071288139"/>
+      </p:ext>
+    </p:extLst>
+  </p:cSld>
+  <p:clrMapOvr>
+    <a:masterClrMapping/>
+  </p:clrMapOvr>
+</p:sld>
+</file>
+
+<file path=ppt/slides/slide15.xml><?xml version="1.0" encoding="utf-8"?>
+<p:sld xmlns:a="http://schemas.openxmlformats.org/drawingml/2006/main" xmlns:r="http://schemas.openxmlformats.org/officeDocument/2006/relationships" xmlns:p="http://schemas.openxmlformats.org/presentationml/2006/main">
+  <p:cSld>
+    <p:bg>
+      <p:bgPr>
+        <a:blipFill dpi="0" rotWithShape="0">
+          <a:blip r:embed="rId2" cstate="print"/>
+          <a:srcRect/>
+          <a:stretch>
+            <a:fillRect/>
+          </a:stretch>
+        </a:blipFill>
+        <a:effectLst/>
+      </p:bgPr>
+    </p:bg>
+    <p:spTree>
+      <p:nvGrpSpPr>
+        <p:cNvPr id="1" name=""/>
+        <p:cNvGrpSpPr/>
+        <p:nvPr/>
+      </p:nvGrpSpPr>
+      <p:grpSpPr>
+        <a:xfrm>
+          <a:off x="0" y="0"/>
+          <a:ext cx="0" cy="0"/>
+          <a:chOff x="0" y="0"/>
+          <a:chExt cx="0" cy="0"/>
+        </a:xfrm>
+      </p:grpSpPr>
+      <p:sp>
+        <p:nvSpPr>
+          <p:cNvPr id="4098" name="Titre 3"/>
+          <p:cNvSpPr>
+            <a:spLocks noGrp="1"/>
+          </p:cNvSpPr>
+          <p:nvPr>
+            <p:ph type="title"/>
+          </p:nvPr>
+        </p:nvSpPr>
+        <p:spPr>
+          <a:xfrm>
+            <a:off x="228600" y="274638"/>
+            <a:ext cx="8686800" cy="1143000"/>
+          </a:xfrm>
+        </p:spPr>
+        <p:txBody>
+          <a:bodyPr/>
+          <a:lstStyle/>
+          <a:p>
+            <a:pPr lvl="1"/>
+            <a:r>
+              <a:rPr lang="ro-RO" sz="3200" dirty="0">
+                <a:solidFill>
+                  <a:schemeClr val="bg1"/>
+                </a:solidFill>
+              </a:rPr>
+              <a:t>Core (cont.)</a:t>
+            </a:r>
+            <a:endParaRPr lang="fr-CA" sz="3000" dirty="0">
+              <a:solidFill>
+                <a:schemeClr val="bg1"/>
+              </a:solidFill>
+            </a:endParaRPr>
+          </a:p>
+        </p:txBody>
+      </p:sp>
+      <p:sp>
+        <p:nvSpPr>
+          <p:cNvPr id="4099" name="Espace réservé du contenu 4"/>
+          <p:cNvSpPr>
+            <a:spLocks noGrp="1"/>
+          </p:cNvSpPr>
+          <p:nvPr>
+            <p:ph idx="1"/>
+          </p:nvPr>
+        </p:nvSpPr>
+        <p:spPr>
+          <a:xfrm>
+            <a:off x="76200" y="1905000"/>
+            <a:ext cx="8686800" cy="3124200"/>
+          </a:xfrm>
+        </p:spPr>
+        <p:txBody>
+          <a:bodyPr/>
+          <a:lstStyle/>
+          <a:p>
+            <a:r>
+              <a:rPr lang="en-US" sz="1400" dirty="0">
+                <a:solidFill>
+                  <a:srgbClr val="3C5790"/>
+                </a:solidFill>
+              </a:rPr>
+              <a:t>From Mockito version 3.5.0, we can </a:t>
+            </a:r>
+            <a:r>
+              <a:rPr lang="en-US" sz="1400" b="1" dirty="0">
+                <a:solidFill>
+                  <a:srgbClr val="3C5790"/>
+                </a:solidFill>
+              </a:rPr>
+              <a:t>mock object construction </a:t>
+            </a:r>
+            <a:r>
+              <a:rPr lang="en-US" sz="1400" dirty="0">
+                <a:solidFill>
+                  <a:srgbClr val="3C5790"/>
+                </a:solidFill>
+              </a:rPr>
+              <a:t>within the current thread and a user-defined scope.</a:t>
+            </a:r>
+          </a:p>
+          <a:p>
+            <a:r>
+              <a:rPr lang="en-US" sz="1400" dirty="0">
+                <a:solidFill>
+                  <a:srgbClr val="3C5790"/>
+                </a:solidFill>
+              </a:rPr>
+              <a:t>To make sure a constructor mocks remain temporary, it is recommended to define the scope within a try-with-resources construct.</a:t>
+            </a:r>
+          </a:p>
+          <a:p>
+            <a:r>
+              <a:rPr lang="en-US" sz="1400" dirty="0">
+                <a:solidFill>
+                  <a:srgbClr val="3C5790"/>
+                </a:solidFill>
+              </a:rPr>
+              <a:t> </a:t>
+            </a:r>
+            <a:r>
+              <a:rPr lang="en-US" sz="1400" dirty="0" err="1">
+                <a:solidFill>
+                  <a:srgbClr val="3C5790"/>
+                </a:solidFill>
+              </a:rPr>
+              <a:t>assertEquals</a:t>
+            </a:r>
+            <a:r>
+              <a:rPr lang="en-US" sz="1400" dirty="0">
+                <a:solidFill>
+                  <a:srgbClr val="3C5790"/>
+                </a:solidFill>
+              </a:rPr>
+              <a:t>("foo", new Foo().method());</a:t>
+            </a:r>
+          </a:p>
+          <a:p>
+            <a:r>
+              <a:rPr lang="en-US" sz="1400" dirty="0">
+                <a:solidFill>
+                  <a:srgbClr val="3C5790"/>
+                </a:solidFill>
+              </a:rPr>
+              <a:t>     try (</a:t>
+            </a:r>
+            <a:r>
+              <a:rPr lang="en-US" sz="1400" dirty="0" err="1">
+                <a:solidFill>
+                  <a:srgbClr val="3C5790"/>
+                </a:solidFill>
+              </a:rPr>
+              <a:t>MockedConstruction</a:t>
+            </a:r>
+            <a:r>
+              <a:rPr lang="en-US" sz="1400" dirty="0">
+                <a:solidFill>
+                  <a:srgbClr val="3C5790"/>
+                </a:solidFill>
+              </a:rPr>
+              <a:t> mocked = </a:t>
+            </a:r>
+            <a:r>
+              <a:rPr lang="en-US" sz="1400" dirty="0" err="1">
+                <a:solidFill>
+                  <a:srgbClr val="3C5790"/>
+                </a:solidFill>
+              </a:rPr>
+              <a:t>mockConstruction</a:t>
+            </a:r>
+            <a:r>
+              <a:rPr lang="en-US" sz="1400" dirty="0">
+                <a:solidFill>
+                  <a:srgbClr val="3C5790"/>
+                </a:solidFill>
+              </a:rPr>
+              <a:t>(</a:t>
+            </a:r>
+            <a:r>
+              <a:rPr lang="en-US" sz="1400" dirty="0" err="1">
+                <a:solidFill>
+                  <a:srgbClr val="3C5790"/>
+                </a:solidFill>
+              </a:rPr>
+              <a:t>Foo.class</a:t>
+            </a:r>
+            <a:r>
+              <a:rPr lang="en-US" sz="1400" dirty="0">
+                <a:solidFill>
+                  <a:srgbClr val="3C5790"/>
+                </a:solidFill>
+              </a:rPr>
+              <a:t>)) {</a:t>
+            </a:r>
+          </a:p>
+          <a:p>
+            <a:r>
+              <a:rPr lang="en-US" sz="1400" dirty="0">
+                <a:solidFill>
+                  <a:srgbClr val="3C5790"/>
+                </a:solidFill>
+              </a:rPr>
+              <a:t>         Foo </a:t>
+            </a:r>
+            <a:r>
+              <a:rPr lang="en-US" sz="1400" dirty="0" err="1">
+                <a:solidFill>
+                  <a:srgbClr val="3C5790"/>
+                </a:solidFill>
+              </a:rPr>
+              <a:t>foo</a:t>
+            </a:r>
+            <a:r>
+              <a:rPr lang="en-US" sz="1400" dirty="0">
+                <a:solidFill>
+                  <a:srgbClr val="3C5790"/>
+                </a:solidFill>
+              </a:rPr>
+              <a:t> = new Foo();</a:t>
+            </a:r>
+          </a:p>
+          <a:p>
+            <a:r>
+              <a:rPr lang="en-US" sz="1400" dirty="0">
+                <a:solidFill>
+                  <a:srgbClr val="3C5790"/>
+                </a:solidFill>
+              </a:rPr>
+              <a:t>         when(</a:t>
+            </a:r>
+            <a:r>
+              <a:rPr lang="en-US" sz="1400" dirty="0" err="1">
+                <a:solidFill>
+                  <a:srgbClr val="3C5790"/>
+                </a:solidFill>
+              </a:rPr>
+              <a:t>foo.method</a:t>
+            </a:r>
+            <a:r>
+              <a:rPr lang="en-US" sz="1400" dirty="0">
+                <a:solidFill>
+                  <a:srgbClr val="3C5790"/>
+                </a:solidFill>
+              </a:rPr>
+              <a:t>()).</a:t>
+            </a:r>
+            <a:r>
+              <a:rPr lang="en-US" sz="1400" dirty="0" err="1">
+                <a:solidFill>
+                  <a:srgbClr val="3C5790"/>
+                </a:solidFill>
+              </a:rPr>
+              <a:t>thenReturn</a:t>
+            </a:r>
+            <a:r>
+              <a:rPr lang="en-US" sz="1400" dirty="0">
+                <a:solidFill>
+                  <a:srgbClr val="3C5790"/>
+                </a:solidFill>
+              </a:rPr>
+              <a:t>("bar");</a:t>
+            </a:r>
+          </a:p>
+          <a:p>
+            <a:r>
+              <a:rPr lang="en-US" sz="1400" dirty="0">
+                <a:solidFill>
+                  <a:srgbClr val="3C5790"/>
+                </a:solidFill>
+              </a:rPr>
+              <a:t>         </a:t>
+            </a:r>
+            <a:r>
+              <a:rPr lang="en-US" sz="1400" dirty="0" err="1">
+                <a:solidFill>
+                  <a:srgbClr val="3C5790"/>
+                </a:solidFill>
+              </a:rPr>
+              <a:t>assertEquals</a:t>
+            </a:r>
+            <a:r>
+              <a:rPr lang="en-US" sz="1400" dirty="0">
+                <a:solidFill>
+                  <a:srgbClr val="3C5790"/>
+                </a:solidFill>
+              </a:rPr>
+              <a:t>("bar", </a:t>
+            </a:r>
+            <a:r>
+              <a:rPr lang="en-US" sz="1400" dirty="0" err="1">
+                <a:solidFill>
+                  <a:srgbClr val="3C5790"/>
+                </a:solidFill>
+              </a:rPr>
+              <a:t>foo.method</a:t>
+            </a:r>
+            <a:r>
+              <a:rPr lang="en-US" sz="1400" dirty="0">
+                <a:solidFill>
+                  <a:srgbClr val="3C5790"/>
+                </a:solidFill>
+              </a:rPr>
+              <a:t>());</a:t>
+            </a:r>
+          </a:p>
+          <a:p>
+            <a:r>
+              <a:rPr lang="en-US" sz="1400" dirty="0">
+                <a:solidFill>
+                  <a:srgbClr val="3C5790"/>
+                </a:solidFill>
+              </a:rPr>
+              <a:t>         verify(foo).method();</a:t>
+            </a:r>
+          </a:p>
+          <a:p>
+            <a:r>
+              <a:rPr lang="en-US" sz="1400" dirty="0">
+                <a:solidFill>
+                  <a:srgbClr val="3C5790"/>
+                </a:solidFill>
+              </a:rPr>
+              <a:t> }</a:t>
+            </a:r>
+          </a:p>
+          <a:p>
+            <a:r>
+              <a:rPr lang="en-US" sz="1400" dirty="0">
+                <a:solidFill>
+                  <a:srgbClr val="3C5790"/>
+                </a:solidFill>
+              </a:rPr>
+              <a:t> </a:t>
+            </a:r>
+            <a:r>
+              <a:rPr lang="en-US" sz="1400" dirty="0" err="1">
+                <a:solidFill>
+                  <a:srgbClr val="3C5790"/>
+                </a:solidFill>
+              </a:rPr>
+              <a:t>assertEquals</a:t>
+            </a:r>
+            <a:r>
+              <a:rPr lang="en-US" sz="1400" dirty="0">
+                <a:solidFill>
+                  <a:srgbClr val="3C5790"/>
+                </a:solidFill>
+              </a:rPr>
+              <a:t>("foo", new Foo().method());</a:t>
+            </a:r>
+          </a:p>
+        </p:txBody>
+      </p:sp>
+    </p:spTree>
+    <p:extLst>
+      <p:ext uri="{BB962C8B-B14F-4D97-AF65-F5344CB8AC3E}">
+        <p14:creationId xmlns:p14="http://schemas.microsoft.com/office/powerpoint/2010/main" val="912926061"/>
+      </p:ext>
+    </p:extLst>
+  </p:cSld>
+  <p:clrMapOvr>
+    <a:masterClrMapping/>
+  </p:clrMapOvr>
+</p:sld>
+</file>
+
+<file path=ppt/slides/slide16.xml><?xml version="1.0" encoding="utf-8"?>
+<p:sld xmlns:a="http://schemas.openxmlformats.org/drawingml/2006/main" xmlns:r="http://schemas.openxmlformats.org/officeDocument/2006/relationships" xmlns:p="http://schemas.openxmlformats.org/presentationml/2006/main">
+  <p:cSld>
+    <p:bg>
+      <p:bgPr>
+        <a:blipFill dpi="0" rotWithShape="0">
+          <a:blip r:embed="rId2" cstate="print"/>
+          <a:srcRect/>
+          <a:stretch>
+            <a:fillRect/>
+          </a:stretch>
+        </a:blipFill>
+        <a:effectLst/>
+      </p:bgPr>
+    </p:bg>
+    <p:spTree>
+      <p:nvGrpSpPr>
+        <p:cNvPr id="1" name=""/>
+        <p:cNvGrpSpPr/>
+        <p:nvPr/>
+      </p:nvGrpSpPr>
+      <p:grpSpPr>
+        <a:xfrm>
+          <a:off x="0" y="0"/>
+          <a:ext cx="0" cy="0"/>
+          <a:chOff x="0" y="0"/>
+          <a:chExt cx="0" cy="0"/>
+        </a:xfrm>
+      </p:grpSpPr>
+      <p:sp>
+        <p:nvSpPr>
+          <p:cNvPr id="4098" name="Titre 3"/>
+          <p:cNvSpPr>
+            <a:spLocks noGrp="1"/>
+          </p:cNvSpPr>
+          <p:nvPr>
+            <p:ph type="title"/>
+          </p:nvPr>
+        </p:nvSpPr>
+        <p:spPr>
+          <a:xfrm>
+            <a:off x="228600" y="274638"/>
+            <a:ext cx="8686800" cy="1143000"/>
+          </a:xfrm>
+        </p:spPr>
+        <p:txBody>
+          <a:bodyPr/>
+          <a:lstStyle/>
+          <a:p>
+            <a:pPr lvl="1"/>
+            <a:r>
+              <a:rPr lang="en-US" sz="3200" dirty="0">
+                <a:solidFill>
+                  <a:schemeClr val="bg1"/>
+                </a:solidFill>
+              </a:rPr>
+              <a:t>Conclusions</a:t>
+            </a:r>
+            <a:endParaRPr lang="fr-CA" sz="3000" dirty="0">
+              <a:solidFill>
+                <a:schemeClr val="bg1"/>
+              </a:solidFill>
+            </a:endParaRPr>
+          </a:p>
+        </p:txBody>
+      </p:sp>
+      <p:sp>
+        <p:nvSpPr>
+          <p:cNvPr id="4099" name="Espace réservé du contenu 4"/>
+          <p:cNvSpPr>
+            <a:spLocks noGrp="1"/>
+          </p:cNvSpPr>
+          <p:nvPr>
+            <p:ph idx="1"/>
+          </p:nvPr>
+        </p:nvSpPr>
+        <p:spPr>
+          <a:xfrm>
+            <a:off x="76200" y="1981200"/>
+            <a:ext cx="8686800" cy="4648200"/>
+          </a:xfrm>
+        </p:spPr>
+        <p:txBody>
+          <a:bodyPr/>
+          <a:lstStyle/>
+          <a:p>
+            <a:r>
+              <a:rPr lang="ro-RO" sz="1400" dirty="0">
+                <a:solidFill>
+                  <a:srgbClr val="3C5790"/>
+                </a:solidFill>
+              </a:rPr>
+              <a:t>Mockito is a powerful testing framework easy to use.</a:t>
+            </a:r>
+            <a:endParaRPr lang="en-US" sz="1400" dirty="0">
+              <a:solidFill>
+                <a:srgbClr val="3C5790"/>
+              </a:solidFill>
+            </a:endParaRPr>
+          </a:p>
+        </p:txBody>
+      </p:sp>
+    </p:spTree>
+  </p:cSld>
+  <p:clrMapOvr>
+    <a:masterClrMapping/>
+  </p:clrMapOvr>
+</p:sld>
+</file>
+
+<file path=ppt/slides/slide17.xml><?xml version="1.0" encoding="utf-8"?>
+<p:sld xmlns:a="http://schemas.openxmlformats.org/drawingml/2006/main" xmlns:r="http://schemas.openxmlformats.org/officeDocument/2006/relationships" xmlns:p="http://schemas.openxmlformats.org/presentationml/2006/main">
+  <p:cSld>
+    <p:bg>
+      <p:bgPr>
+        <a:blipFill dpi="0" rotWithShape="0">
+          <a:blip r:embed="rId2" cstate="print"/>
+          <a:srcRect/>
+          <a:stretch>
+            <a:fillRect/>
+          </a:stretch>
+        </a:blipFill>
+        <a:effectLst/>
+      </p:bgPr>
+    </p:bg>
+    <p:spTree>
+      <p:nvGrpSpPr>
+        <p:cNvPr id="1" name=""/>
+        <p:cNvGrpSpPr/>
+        <p:nvPr/>
+      </p:nvGrpSpPr>
+      <p:grpSpPr>
+        <a:xfrm>
+          <a:off x="0" y="0"/>
+          <a:ext cx="0" cy="0"/>
+          <a:chOff x="0" y="0"/>
+          <a:chExt cx="0" cy="0"/>
+        </a:xfrm>
+      </p:grpSpPr>
+      <p:sp>
+        <p:nvSpPr>
           <p:cNvPr id="5122" name="Titre 3"/>
           <p:cNvSpPr>
             <a:spLocks noGrp="1"/>
@@ -3708,7 +5344,7 @@
           <a:lstStyle/>
           <a:p>
             <a:r>
-              <a:rPr lang="fr-CA" sz="4000" dirty="0" err="1" smtClean="0">
+              <a:rPr lang="fr-CA" sz="4000" dirty="0" err="1">
                 <a:solidFill>
                   <a:schemeClr val="bg1">
                     <a:lumMod val="95000"/>
@@ -3717,7 +5353,7 @@
               </a:rPr>
               <a:t>Bibliography</a:t>
             </a:r>
-            <a:endParaRPr lang="fr-CA" sz="4000" dirty="0" smtClean="0">
+            <a:endParaRPr lang="fr-CA" sz="4000" dirty="0">
               <a:solidFill>
                 <a:schemeClr val="bg1">
                   <a:lumMod val="95000"/>
@@ -3748,7 +5384,7 @@
           <a:lstStyle/>
           <a:p>
             <a:r>
-              <a:rPr lang="en-US" sz="1600" dirty="0" smtClean="0">
+              <a:rPr lang="en-US" sz="1600" dirty="0">
                 <a:solidFill>
                   <a:schemeClr val="bg1"/>
                 </a:solidFill>
@@ -3756,7 +5392,7 @@
               <a:t>P</a:t>
             </a:r>
             <a:r>
-              <a:rPr lang="ro-RO" sz="1600" dirty="0" smtClean="0">
+              <a:rPr lang="ro-RO" sz="1600" dirty="0">
                 <a:solidFill>
                   <a:schemeClr val="bg1"/>
                 </a:solidFill>
@@ -3764,7 +5400,7 @@
               <a:t>ackt</a:t>
             </a:r>
             <a:r>
-              <a:rPr lang="en-US" sz="1600" dirty="0" smtClean="0">
+              <a:rPr lang="en-US" sz="1600" dirty="0">
                 <a:solidFill>
                   <a:schemeClr val="bg1"/>
                 </a:solidFill>
@@ -3772,7 +5408,7 @@
               <a:t>P</a:t>
             </a:r>
             <a:r>
-              <a:rPr lang="ro-RO" sz="1600" dirty="0" smtClean="0">
+              <a:rPr lang="ro-RO" sz="1600" dirty="0">
                 <a:solidFill>
                   <a:schemeClr val="bg1"/>
                 </a:solidFill>
@@ -3780,7 +5416,7 @@
               <a:t>ublisher - </a:t>
             </a:r>
             <a:r>
-              <a:rPr lang="en-US" sz="1600" dirty="0" smtClean="0">
+              <a:rPr lang="en-US" sz="1600" dirty="0">
                 <a:solidFill>
                   <a:schemeClr val="bg1"/>
                 </a:solidFill>
@@ -3788,7 +5424,7 @@
               <a:t>Test-Driven</a:t>
             </a:r>
             <a:r>
-              <a:rPr lang="ro-RO" sz="1600" dirty="0" smtClean="0">
+              <a:rPr lang="ro-RO" sz="1600" dirty="0">
                 <a:solidFill>
                   <a:schemeClr val="bg1"/>
                 </a:solidFill>
@@ -3796,7 +5432,7 @@
               <a:t> </a:t>
             </a:r>
             <a:r>
-              <a:rPr lang="en-US" sz="1600" dirty="0" smtClean="0">
+              <a:rPr lang="en-US" sz="1600" dirty="0">
                 <a:solidFill>
                   <a:schemeClr val="bg1"/>
                 </a:solidFill>
@@ -3804,7 +5440,7 @@
               <a:t>Development</a:t>
             </a:r>
             <a:r>
-              <a:rPr lang="ro-RO" sz="1600" dirty="0" smtClean="0">
+              <a:rPr lang="ro-RO" sz="1600" dirty="0">
                 <a:solidFill>
                   <a:schemeClr val="bg1"/>
                 </a:solidFill>
@@ -3812,7 +5448,7 @@
               <a:t> </a:t>
             </a:r>
             <a:r>
-              <a:rPr lang="en-US" sz="1600" dirty="0" smtClean="0">
+              <a:rPr lang="en-US" sz="1600" dirty="0">
                 <a:solidFill>
                   <a:schemeClr val="bg1"/>
                 </a:solidFill>
@@ -3820,7 +5456,7 @@
               <a:t>with</a:t>
             </a:r>
             <a:r>
-              <a:rPr lang="ro-RO" sz="1600" dirty="0" smtClean="0">
+              <a:rPr lang="ro-RO" sz="1600" dirty="0">
                 <a:solidFill>
                   <a:schemeClr val="bg1"/>
                 </a:solidFill>
@@ -3828,14 +5464,14 @@
               <a:t> </a:t>
             </a:r>
             <a:r>
-              <a:rPr lang="en-US" sz="1600" dirty="0" err="1" smtClean="0">
+              <a:rPr lang="en-US" sz="1600" dirty="0" err="1">
                 <a:solidFill>
                   <a:schemeClr val="bg1"/>
                 </a:solidFill>
               </a:rPr>
               <a:t>Mockito</a:t>
             </a:r>
-            <a:endParaRPr lang="ro-RO" sz="1600" dirty="0" smtClean="0">
+            <a:endParaRPr lang="ro-RO" sz="1600" dirty="0">
               <a:solidFill>
                 <a:schemeClr val="bg1"/>
               </a:solidFill>
@@ -3843,14 +5479,14 @@
           </a:p>
           <a:p>
             <a:r>
-              <a:rPr lang="fr-CA" sz="1600" dirty="0" smtClean="0">
+              <a:rPr lang="fr-CA" sz="1600" dirty="0">
                 <a:solidFill>
                   <a:schemeClr val="bg1"/>
                 </a:solidFill>
               </a:rPr>
               <a:t>http://en.wikipedia.org/wiki/Mockito</a:t>
             </a:r>
-            <a:endParaRPr lang="ro-RO" sz="1600" dirty="0" smtClean="0">
+            <a:endParaRPr lang="ro-RO" sz="1600" dirty="0">
               <a:solidFill>
                 <a:schemeClr val="bg1"/>
               </a:solidFill>
@@ -3858,7 +5494,7 @@
           </a:p>
           <a:p>
             <a:r>
-              <a:rPr lang="fr-CA" sz="1600" dirty="0" smtClean="0">
+              <a:rPr lang="fr-CA" sz="1600" dirty="0">
                 <a:solidFill>
                   <a:schemeClr val="bg1"/>
                 </a:solidFill>
@@ -3867,7 +5503,7 @@
             </a:r>
           </a:p>
           <a:p>
-            <a:endParaRPr lang="fr-CA" sz="1600" dirty="0" smtClean="0">
+            <a:endParaRPr lang="fr-CA" sz="1600" dirty="0">
               <a:solidFill>
                 <a:schemeClr val="bg1"/>
               </a:solidFill>
@@ -3880,13 +5516,6 @@
   <p:clrMapOvr>
     <a:masterClrMapping/>
   </p:clrMapOvr>
-  <p:timing>
-    <p:tnLst>
-      <p:par>
-        <p:cTn id="1" dur="indefinite" restart="never" nodeType="tmRoot"/>
-      </p:par>
-    </p:tnLst>
-  </p:timing>
 </p:sld>
 </file>
 
@@ -3929,7 +5558,7 @@
           <a:p>
             <a:pPr algn="l"/>
             <a:r>
-              <a:rPr lang="fr-CA" sz="4000" dirty="0" smtClean="0">
+              <a:rPr lang="fr-CA" sz="4000" dirty="0">
                 <a:solidFill>
                   <a:srgbClr val="3C5790"/>
                 </a:solidFill>
@@ -3960,7 +5589,7 @@
           <a:lstStyle/>
           <a:p>
             <a:r>
-              <a:rPr lang="fr-CA" sz="1600" dirty="0" err="1" smtClean="0">
+              <a:rPr lang="fr-CA" sz="1600" dirty="0" err="1">
                 <a:solidFill>
                   <a:srgbClr val="3C5790"/>
                 </a:solidFill>
@@ -3968,7 +5597,7 @@
               <a:t>What</a:t>
             </a:r>
             <a:r>
-              <a:rPr lang="fr-CA" sz="1600" dirty="0" smtClean="0">
+              <a:rPr lang="fr-CA" sz="1600" dirty="0">
                 <a:solidFill>
                   <a:srgbClr val="3C5790"/>
                 </a:solidFill>
@@ -3976,7 +5605,7 @@
               <a:t> </a:t>
             </a:r>
             <a:r>
-              <a:rPr lang="fr-CA" sz="1600" dirty="0" err="1" smtClean="0">
+              <a:rPr lang="fr-CA" sz="1600" dirty="0" err="1">
                 <a:solidFill>
                   <a:srgbClr val="3C5790"/>
                 </a:solidFill>
@@ -3984,7 +5613,7 @@
               <a:t>is</a:t>
             </a:r>
             <a:r>
-              <a:rPr lang="fr-CA" sz="1600" dirty="0" smtClean="0">
+              <a:rPr lang="fr-CA" sz="1600" dirty="0">
                 <a:solidFill>
                   <a:srgbClr val="3C5790"/>
                 </a:solidFill>
@@ -3992,7 +5621,7 @@
               <a:t> </a:t>
             </a:r>
             <a:r>
-              <a:rPr lang="ro-RO" sz="1600" dirty="0" smtClean="0">
+              <a:rPr lang="ro-RO" sz="1600" dirty="0">
                 <a:solidFill>
                   <a:srgbClr val="3C5790"/>
                 </a:solidFill>
@@ -4000,7 +5629,7 @@
               <a:t>Mockito</a:t>
             </a:r>
             <a:r>
-              <a:rPr lang="fr-CA" sz="1600" dirty="0" smtClean="0">
+              <a:rPr lang="fr-CA" sz="1600" dirty="0">
                 <a:solidFill>
                   <a:srgbClr val="3C5790"/>
                 </a:solidFill>
@@ -4010,7 +5639,7 @@
           </a:p>
           <a:p>
             <a:r>
-              <a:rPr lang="ro-RO" sz="1600" dirty="0" smtClean="0">
+              <a:rPr lang="ro-RO" sz="1600" dirty="0">
                 <a:solidFill>
                   <a:srgbClr val="3C5790"/>
                 </a:solidFill>
@@ -4020,14 +5649,14 @@
           </a:p>
           <a:p>
             <a:r>
-              <a:rPr lang="ro-RO" sz="1600" dirty="0" smtClean="0">
+              <a:rPr lang="ro-RO" sz="1600" dirty="0">
                 <a:solidFill>
                   <a:srgbClr val="3C5790"/>
                 </a:solidFill>
               </a:rPr>
               <a:t>Core</a:t>
             </a:r>
-            <a:endParaRPr lang="fr-CA" sz="1600" dirty="0" smtClean="0">
+            <a:endParaRPr lang="fr-CA" sz="1600" dirty="0">
               <a:solidFill>
                 <a:srgbClr val="3C5790"/>
               </a:solidFill>
@@ -4035,7 +5664,7 @@
           </a:p>
           <a:p>
             <a:r>
-              <a:rPr lang="fr-CA" sz="1600" dirty="0" smtClean="0">
+              <a:rPr lang="fr-CA" sz="1600" dirty="0">
                 <a:solidFill>
                   <a:srgbClr val="3C5790"/>
                 </a:solidFill>
@@ -4045,14 +5674,14 @@
           </a:p>
           <a:p>
             <a:r>
-              <a:rPr lang="fr-CA" sz="1600" dirty="0" err="1" smtClean="0">
+              <a:rPr lang="fr-CA" sz="1600" dirty="0" err="1">
                 <a:solidFill>
                   <a:srgbClr val="3C5790"/>
                 </a:solidFill>
               </a:rPr>
               <a:t>Bibliography</a:t>
             </a:r>
-            <a:endParaRPr lang="fr-CA" sz="1600" dirty="0" smtClean="0">
+            <a:endParaRPr lang="fr-CA" sz="1600" dirty="0">
               <a:solidFill>
                 <a:srgbClr val="3C5790"/>
               </a:solidFill>
@@ -4062,22 +5691,14 @@
             <a:pPr>
               <a:buNone/>
             </a:pPr>
-            <a:r>
-              <a:rPr lang="fr-CA" sz="1600" dirty="0" smtClean="0">
-                <a:solidFill>
-                  <a:srgbClr val="3C5790"/>
-                </a:solidFill>
-              </a:rPr>
-              <a:t/>
-            </a:r>
             <a:br>
-              <a:rPr lang="fr-CA" sz="1600" dirty="0" smtClean="0">
+              <a:rPr lang="fr-CA" sz="1600" dirty="0">
                 <a:solidFill>
                   <a:srgbClr val="3C5790"/>
                 </a:solidFill>
               </a:rPr>
             </a:br>
-            <a:endParaRPr lang="fr-CA" sz="1600" dirty="0" smtClean="0">
+            <a:endParaRPr lang="fr-CA" sz="1600" dirty="0">
               <a:solidFill>
                 <a:srgbClr val="3C5790"/>
               </a:solidFill>
@@ -4090,13 +5711,6 @@
   <p:clrMapOvr>
     <a:masterClrMapping/>
   </p:clrMapOvr>
-  <p:timing>
-    <p:tnLst>
-      <p:par>
-        <p:cTn id="1" dur="indefinite" restart="never" nodeType="tmRoot"/>
-      </p:par>
-    </p:tnLst>
-  </p:timing>
 </p:sld>
 </file>
 
@@ -4145,7 +5759,7 @@
           <a:lstStyle/>
           <a:p>
             <a:r>
-              <a:rPr lang="fr-CA" dirty="0" err="1" smtClean="0">
+              <a:rPr lang="fr-CA" dirty="0" err="1">
                 <a:solidFill>
                   <a:schemeClr val="bg1"/>
                 </a:solidFill>
@@ -4153,7 +5767,7 @@
               <a:t>What</a:t>
             </a:r>
             <a:r>
-              <a:rPr lang="fr-CA" dirty="0" smtClean="0">
+              <a:rPr lang="fr-CA" dirty="0">
                 <a:solidFill>
                   <a:schemeClr val="bg1"/>
                 </a:solidFill>
@@ -4161,7 +5775,7 @@
               <a:t> </a:t>
             </a:r>
             <a:r>
-              <a:rPr lang="fr-CA" dirty="0" err="1" smtClean="0">
+              <a:rPr lang="fr-CA" dirty="0" err="1">
                 <a:solidFill>
                   <a:schemeClr val="bg1"/>
                 </a:solidFill>
@@ -4169,7 +5783,7 @@
               <a:t>is</a:t>
             </a:r>
             <a:r>
-              <a:rPr lang="fr-CA" dirty="0" smtClean="0">
+              <a:rPr lang="fr-CA" dirty="0">
                 <a:solidFill>
                   <a:schemeClr val="bg1"/>
                 </a:solidFill>
@@ -4177,7 +5791,7 @@
               <a:t> </a:t>
             </a:r>
             <a:r>
-              <a:rPr lang="ro-RO" dirty="0" smtClean="0">
+              <a:rPr lang="ro-RO" dirty="0">
                 <a:solidFill>
                   <a:schemeClr val="bg1"/>
                 </a:solidFill>
@@ -4185,7 +5799,7 @@
               <a:t>Mockito</a:t>
             </a:r>
             <a:r>
-              <a:rPr lang="fr-CA" dirty="0" smtClean="0">
+              <a:rPr lang="fr-CA" dirty="0">
                 <a:solidFill>
                   <a:schemeClr val="bg1"/>
                 </a:solidFill>
@@ -4216,7 +5830,17 @@
           <a:lstStyle/>
           <a:p>
             <a:r>
-              <a:rPr lang="en-US" sz="1500" dirty="0" err="1" smtClean="0">
+              <a:rPr lang="en-US" sz="1500" dirty="0">
+                <a:solidFill>
+                  <a:srgbClr val="3C5790"/>
+                </a:solidFill>
+              </a:rPr>
+              <a:t>Mockito is an open-source testing framework for Java under MIT license.</a:t>
+            </a:r>
+          </a:p>
+          <a:p>
+            <a:r>
+              <a:rPr lang="en-US" sz="1500" dirty="0" err="1">
                 <a:solidFill>
                   <a:srgbClr val="3C5790"/>
                 </a:solidFill>
@@ -4224,25 +5848,7 @@
               <a:t>Mockito</a:t>
             </a:r>
             <a:r>
-              <a:rPr lang="en-US" sz="1500" dirty="0" smtClean="0">
-                <a:solidFill>
-                  <a:srgbClr val="3C5790"/>
-                </a:solidFill>
-              </a:rPr>
-              <a:t> is an open source testing framework for Java under MIT license.</a:t>
-            </a:r>
-          </a:p>
-          <a:p>
-            <a:r>
-              <a:rPr lang="en-US" sz="1500" dirty="0" err="1" smtClean="0">
-                <a:solidFill>
-                  <a:srgbClr val="3C5790"/>
-                </a:solidFill>
-              </a:rPr>
-              <a:t>Mockito</a:t>
-            </a:r>
-            <a:r>
-              <a:rPr lang="en-US" sz="1500" dirty="0" smtClean="0">
+              <a:rPr lang="en-US" sz="1500" dirty="0">
                 <a:solidFill>
                   <a:srgbClr val="3C5790"/>
                 </a:solidFill>
@@ -4250,7 +5856,7 @@
               <a:t> allows creation of mock objects in automated unit tests for the purpose of TDD(Test Driven </a:t>
             </a:r>
             <a:r>
-              <a:rPr lang="en-US" sz="1500" dirty="0" err="1" smtClean="0">
+              <a:rPr lang="en-US" sz="1500" dirty="0" err="1">
                 <a:solidFill>
                   <a:srgbClr val="3C5790"/>
                 </a:solidFill>
@@ -4258,7 +5864,7 @@
               <a:t>Developement</a:t>
             </a:r>
             <a:r>
-              <a:rPr lang="en-US" sz="1500" dirty="0" smtClean="0">
+              <a:rPr lang="en-US" sz="1500" dirty="0">
                 <a:solidFill>
                   <a:srgbClr val="3C5790"/>
                 </a:solidFill>
@@ -4266,7 +5872,7 @@
               <a:t>) or BDD(</a:t>
             </a:r>
             <a:r>
-              <a:rPr lang="en-US" sz="1500" dirty="0" err="1" smtClean="0">
+              <a:rPr lang="en-US" sz="1500" dirty="0" err="1">
                 <a:solidFill>
                   <a:srgbClr val="3C5790"/>
                 </a:solidFill>
@@ -4274,14 +5880,14 @@
               <a:t>Behaviour</a:t>
             </a:r>
             <a:r>
-              <a:rPr lang="en-US" sz="1500" dirty="0" smtClean="0">
+              <a:rPr lang="en-US" sz="1500" dirty="0">
                 <a:solidFill>
                   <a:srgbClr val="3C5790"/>
                 </a:solidFill>
               </a:rPr>
               <a:t> Drive Development).</a:t>
             </a:r>
-            <a:endParaRPr lang="fr-CA" sz="1400" dirty="0" smtClean="0">
+            <a:endParaRPr lang="fr-CA" sz="1400" dirty="0">
               <a:solidFill>
                 <a:srgbClr val="3C5790"/>
               </a:solidFill>
@@ -4294,13 +5900,6 @@
   <p:clrMapOvr>
     <a:masterClrMapping/>
   </p:clrMapOvr>
-  <p:timing>
-    <p:tnLst>
-      <p:par>
-        <p:cTn id="1" dur="indefinite" restart="never" nodeType="tmRoot"/>
-      </p:par>
-    </p:tnLst>
-  </p:timing>
 </p:sld>
 </file>
 
@@ -4355,14 +5954,14 @@
           <a:p>
             <a:pPr lvl="1"/>
             <a:r>
-              <a:rPr lang="ro-RO" sz="3200" dirty="0" smtClean="0">
+              <a:rPr lang="ro-RO" sz="3200" dirty="0">
                 <a:solidFill>
                   <a:schemeClr val="bg1"/>
                 </a:solidFill>
               </a:rPr>
               <a:t>TDD</a:t>
             </a:r>
-            <a:endParaRPr lang="fr-CA" sz="3000" dirty="0" smtClean="0">
+            <a:endParaRPr lang="fr-CA" sz="3000" dirty="0">
               <a:solidFill>
                 <a:schemeClr val="bg1"/>
               </a:solidFill>
@@ -4391,7 +5990,7 @@
           <a:lstStyle/>
           <a:p>
             <a:r>
-              <a:rPr lang="ro-RO" sz="1400" dirty="0" smtClean="0">
+              <a:rPr lang="ro-RO" sz="1400" dirty="0">
                 <a:solidFill>
                   <a:srgbClr val="3C5790"/>
                 </a:solidFill>
@@ -4401,7 +6000,7 @@
           </a:p>
           <a:p>
             <a:r>
-              <a:rPr lang="en-US" sz="1400" dirty="0" smtClean="0">
+              <a:rPr lang="en-US" sz="1400" dirty="0">
                 <a:solidFill>
                   <a:srgbClr val="3C5790"/>
                 </a:solidFill>
@@ -4409,7 +6008,7 @@
               <a:t>Example of TDD testing frameworks: </a:t>
             </a:r>
             <a:r>
-              <a:rPr lang="en-US" sz="1400" dirty="0" err="1" smtClean="0">
+              <a:rPr lang="en-US" sz="1400" dirty="0" err="1">
                 <a:solidFill>
                   <a:srgbClr val="3C5790"/>
                 </a:solidFill>
@@ -4417,7 +6016,7 @@
               <a:t>SpryTest</a:t>
             </a:r>
             <a:r>
-              <a:rPr lang="en-US" sz="1400" dirty="0" smtClean="0">
+              <a:rPr lang="en-US" sz="1400" dirty="0">
                 <a:solidFill>
                   <a:srgbClr val="3C5790"/>
                 </a:solidFill>
@@ -4425,7 +6024,7 @@
               <a:t>, </a:t>
             </a:r>
             <a:r>
-              <a:rPr lang="en-US" sz="1400" dirty="0" err="1" smtClean="0">
+              <a:rPr lang="en-US" sz="1400" dirty="0" err="1">
                 <a:solidFill>
                   <a:srgbClr val="3C5790"/>
                 </a:solidFill>
@@ -4433,7 +6032,7 @@
               <a:t>Jtest</a:t>
             </a:r>
             <a:r>
-              <a:rPr lang="en-US" sz="1400" dirty="0" smtClean="0">
+              <a:rPr lang="en-US" sz="1400" dirty="0">
                 <a:solidFill>
                   <a:srgbClr val="3C5790"/>
                 </a:solidFill>
@@ -4441,7 +6040,7 @@
               <a:t>, </a:t>
             </a:r>
             <a:r>
-              <a:rPr lang="en-US" sz="1400" dirty="0" err="1" smtClean="0">
+              <a:rPr lang="en-US" sz="1400" dirty="0" err="1">
                 <a:solidFill>
                   <a:srgbClr val="3C5790"/>
                 </a:solidFill>
@@ -4449,7 +6048,7 @@
               <a:t>JUnit</a:t>
             </a:r>
             <a:r>
-              <a:rPr lang="en-US" sz="1400" dirty="0" smtClean="0">
+              <a:rPr lang="en-US" sz="1400" dirty="0">
                 <a:solidFill>
                   <a:srgbClr val="3C5790"/>
                 </a:solidFill>
@@ -4457,7 +6056,7 @@
               <a:t>, </a:t>
             </a:r>
             <a:r>
-              <a:rPr lang="en-US" sz="1400" dirty="0" err="1" smtClean="0">
+              <a:rPr lang="en-US" sz="1400" dirty="0" err="1">
                 <a:solidFill>
                   <a:srgbClr val="3C5790"/>
                 </a:solidFill>
@@ -4465,14 +6064,14 @@
               <a:t>TestNG</a:t>
             </a:r>
             <a:r>
-              <a:rPr lang="en-US" sz="1400" dirty="0" smtClean="0">
+              <a:rPr lang="en-US" sz="1400" dirty="0">
                 <a:solidFill>
                   <a:srgbClr val="3C5790"/>
                 </a:solidFill>
               </a:rPr>
               <a:t>.</a:t>
             </a:r>
-            <a:endParaRPr lang="ro-RO" sz="1400" dirty="0" smtClean="0">
+            <a:endParaRPr lang="ro-RO" sz="1400" dirty="0">
               <a:solidFill>
                 <a:srgbClr val="3C5790"/>
               </a:solidFill>
@@ -4480,7 +6079,7 @@
           </a:p>
           <a:p>
             <a:r>
-              <a:rPr lang="en-US" sz="1400" dirty="0" smtClean="0">
+              <a:rPr lang="en-US" sz="1400" dirty="0">
                 <a:solidFill>
                   <a:srgbClr val="3C5790"/>
                 </a:solidFill>
@@ -4488,7 +6087,7 @@
               <a:t>TDD is a software development process that relies on the repetition of a very short circle: writing of automated test case then produces the minimum amount of code to pass that test and fin</a:t>
             </a:r>
             <a:r>
-              <a:rPr lang="ro-RO" sz="1400" dirty="0" smtClean="0">
+              <a:rPr lang="ro-RO" sz="1400" dirty="0">
                 <a:solidFill>
                   <a:srgbClr val="3C5790"/>
                 </a:solidFill>
@@ -4496,7 +6095,7 @@
               <a:t>a</a:t>
             </a:r>
             <a:r>
-              <a:rPr lang="en-US" sz="1400" dirty="0" err="1" smtClean="0">
+              <a:rPr lang="en-US" sz="1400" dirty="0" err="1">
                 <a:solidFill>
                   <a:srgbClr val="3C5790"/>
                 </a:solidFill>
@@ -4504,28 +6103,12 @@
               <a:t>lly</a:t>
             </a:r>
             <a:r>
-              <a:rPr lang="en-US" sz="1400" dirty="0" smtClean="0">
-                <a:solidFill>
-                  <a:srgbClr val="3C5790"/>
-                </a:solidFill>
-              </a:rPr>
-              <a:t> </a:t>
-            </a:r>
-            <a:r>
-              <a:rPr lang="en-US" sz="1400" dirty="0" err="1" smtClean="0">
-                <a:solidFill>
-                  <a:srgbClr val="3C5790"/>
-                </a:solidFill>
-              </a:rPr>
-              <a:t>refactors</a:t>
-            </a:r>
-            <a:r>
-              <a:rPr lang="en-US" sz="1400" dirty="0" smtClean="0">
-                <a:solidFill>
-                  <a:srgbClr val="3C5790"/>
-                </a:solidFill>
-              </a:rPr>
-              <a:t> the new code to acceptable standards.</a:t>
+              <a:rPr lang="en-US" sz="1400" dirty="0">
+                <a:solidFill>
+                  <a:srgbClr val="3C5790"/>
+                </a:solidFill>
+              </a:rPr>
+              <a:t> refactors the new code to acceptable standards.</a:t>
             </a:r>
           </a:p>
         </p:txBody>
@@ -4567,13 +6150,6 @@
   <p:clrMapOvr>
     <a:masterClrMapping/>
   </p:clrMapOvr>
-  <p:timing>
-    <p:tnLst>
-      <p:par>
-        <p:cTn id="1" dur="indefinite" restart="never" nodeType="tmRoot"/>
-      </p:par>
-    </p:tnLst>
-  </p:timing>
 </p:sld>
 </file>
 
@@ -4628,14 +6204,14 @@
           <a:p>
             <a:pPr lvl="1"/>
             <a:r>
-              <a:rPr lang="ro-RO" sz="3200" dirty="0" smtClean="0">
+              <a:rPr lang="ro-RO" sz="3200" dirty="0">
                 <a:solidFill>
                   <a:schemeClr val="bg1"/>
                 </a:solidFill>
               </a:rPr>
               <a:t>Core</a:t>
             </a:r>
-            <a:endParaRPr lang="fr-CA" sz="3000" dirty="0" smtClean="0">
+            <a:endParaRPr lang="fr-CA" sz="3000" dirty="0">
               <a:solidFill>
                 <a:schemeClr val="bg1"/>
               </a:solidFill>
@@ -4664,7 +6240,7 @@
           <a:lstStyle/>
           <a:p>
             <a:r>
-              <a:rPr lang="ro-RO" sz="1400" dirty="0" smtClean="0">
+              <a:rPr lang="ro-RO" sz="1400" dirty="0">
                 <a:solidFill>
                   <a:srgbClr val="3C5790"/>
                 </a:solidFill>
@@ -4672,7 +6248,7 @@
               <a:t>We use @</a:t>
             </a:r>
             <a:r>
-              <a:rPr lang="ro-RO" sz="1400" b="1" dirty="0" smtClean="0">
+              <a:rPr lang="ro-RO" sz="1400" b="1" dirty="0">
                 <a:solidFill>
                   <a:srgbClr val="3C5790"/>
                 </a:solidFill>
@@ -4680,7 +6256,7 @@
               <a:t>Mock</a:t>
             </a:r>
             <a:r>
-              <a:rPr lang="ro-RO" sz="1400" dirty="0" smtClean="0">
+              <a:rPr lang="ro-RO" sz="1400" dirty="0">
                 <a:solidFill>
                   <a:srgbClr val="3C5790"/>
                 </a:solidFill>
@@ -4690,15 +6266,15 @@
           </a:p>
           <a:p>
             <a:r>
-              <a:rPr lang="ro-RO" sz="1400" dirty="0" smtClean="0">
-                <a:solidFill>
-                  <a:srgbClr val="3C5790"/>
-                </a:solidFill>
-              </a:rPr>
-              <a:t>Before running the tests we need to call the </a:t>
-            </a:r>
-            <a:r>
-              <a:rPr lang="ro-RO" sz="1400" b="1" dirty="0" smtClean="0">
+              <a:rPr lang="ro-RO" sz="1400" dirty="0">
+                <a:solidFill>
+                  <a:srgbClr val="3C5790"/>
+                </a:solidFill>
+              </a:rPr>
+              <a:t>Before running the tests, we need to call the </a:t>
+            </a:r>
+            <a:r>
+              <a:rPr lang="ro-RO" sz="1400" b="1" dirty="0">
                 <a:solidFill>
                   <a:srgbClr val="3C5790"/>
                 </a:solidFill>
@@ -4706,7 +6282,7 @@
               <a:t>initMocks()</a:t>
             </a:r>
             <a:r>
-              <a:rPr lang="ro-RO" sz="1400" dirty="0" smtClean="0">
+              <a:rPr lang="ro-RO" sz="1400" dirty="0">
                 <a:solidFill>
                   <a:srgbClr val="3C5790"/>
                 </a:solidFill>
@@ -4714,7 +6290,7 @@
               <a:t> method from </a:t>
             </a:r>
             <a:r>
-              <a:rPr lang="ro-RO" sz="1400" b="1" dirty="0" smtClean="0">
+              <a:rPr lang="ro-RO" sz="1400" b="1" dirty="0">
                 <a:solidFill>
                   <a:srgbClr val="3C5790"/>
                 </a:solidFill>
@@ -4722,23 +6298,15 @@
               <a:t>MockitoAnnotation</a:t>
             </a:r>
             <a:r>
-              <a:rPr lang="ro-RO" sz="1400" dirty="0" smtClean="0">
-                <a:solidFill>
-                  <a:srgbClr val="3C5790"/>
-                </a:solidFill>
-              </a:rPr>
-              <a:t> </a:t>
-            </a:r>
-            <a:r>
-              <a:rPr lang="ro-RO" sz="1400" dirty="0" smtClean="0">
-                <a:solidFill>
-                  <a:srgbClr val="3C5790"/>
-                </a:solidFill>
-              </a:rPr>
-              <a:t>or annotate the class with </a:t>
-            </a:r>
-            <a:r>
-              <a:rPr lang="ro-RO" sz="1400" b="1" dirty="0" smtClean="0">
+              <a:rPr lang="ro-RO" sz="1400" dirty="0">
+                <a:solidFill>
+                  <a:srgbClr val="3C5790"/>
+                </a:solidFill>
+              </a:rPr>
+              <a:t> or annotate the class with </a:t>
+            </a:r>
+            <a:r>
+              <a:rPr lang="ro-RO" sz="1400" b="1" dirty="0">
                 <a:solidFill>
                   <a:srgbClr val="3C5790"/>
                 </a:solidFill>
@@ -4746,22 +6314,17 @@
               <a:t>@RunWith(MockitoJUnitRunner.class)</a:t>
             </a:r>
             <a:r>
-              <a:rPr lang="ro-RO" sz="1400" dirty="0" smtClean="0">
+              <a:rPr lang="ro-RO" sz="1400" dirty="0">
                 <a:solidFill>
                   <a:srgbClr val="3C5790"/>
                 </a:solidFill>
               </a:rPr>
               <a:t>.</a:t>
             </a:r>
-            <a:endParaRPr lang="ro-RO" sz="1400" dirty="0" smtClean="0">
-              <a:solidFill>
-                <a:srgbClr val="3C5790"/>
-              </a:solidFill>
-            </a:endParaRPr>
-          </a:p>
-          <a:p>
-            <a:r>
-              <a:rPr lang="ro-RO" sz="1400" b="1" dirty="0" smtClean="0">
+          </a:p>
+          <a:p>
+            <a:r>
+              <a:rPr lang="ro-RO" sz="1400" b="1" dirty="0">
                 <a:solidFill>
                   <a:srgbClr val="3C5790"/>
                 </a:solidFill>
@@ -4769,7 +6332,7 @@
               <a:t>Mockito</a:t>
             </a:r>
             <a:r>
-              <a:rPr lang="ro-RO" sz="1400" dirty="0" smtClean="0">
+              <a:rPr lang="ro-RO" sz="1400" dirty="0">
                 <a:solidFill>
                   <a:srgbClr val="3C5790"/>
                 </a:solidFill>
@@ -4779,7 +6342,7 @@
           </a:p>
           <a:p>
             <a:r>
-              <a:rPr lang="ro-RO" sz="1400" dirty="0" smtClean="0">
+              <a:rPr lang="ro-RO" sz="1400" dirty="0">
                 <a:solidFill>
                   <a:srgbClr val="3C5790"/>
                 </a:solidFill>
@@ -4787,7 +6350,7 @@
               <a:t>The </a:t>
             </a:r>
             <a:r>
-              <a:rPr lang="ro-RO" sz="1400" b="1" dirty="0" smtClean="0">
+              <a:rPr lang="ro-RO" sz="1400" b="1" dirty="0">
                 <a:solidFill>
                   <a:srgbClr val="3C5790"/>
                 </a:solidFill>
@@ -4795,14 +6358,14 @@
               <a:t>verify</a:t>
             </a:r>
             <a:r>
-              <a:rPr lang="ro-RO" sz="1400" dirty="0" smtClean="0">
+              <a:rPr lang="ro-RO" sz="1400" dirty="0">
                 <a:solidFill>
                   <a:srgbClr val="3C5790"/>
                 </a:solidFill>
               </a:rPr>
               <a:t> method verifies that certain methods from mock object is called or not.</a:t>
             </a:r>
-            <a:endParaRPr lang="en-US" sz="1400" dirty="0" smtClean="0">
+            <a:endParaRPr lang="en-US" sz="1400" dirty="0">
               <a:solidFill>
                 <a:srgbClr val="3C5790"/>
               </a:solidFill>
@@ -4879,13 +6442,6 @@
   <p:clrMapOvr>
     <a:masterClrMapping/>
   </p:clrMapOvr>
-  <p:timing>
-    <p:tnLst>
-      <p:par>
-        <p:cTn id="1" dur="indefinite" restart="never" nodeType="tmRoot"/>
-      </p:par>
-    </p:tnLst>
-  </p:timing>
 </p:sld>
 </file>
 
@@ -4940,14 +6496,157 @@
           <a:p>
             <a:pPr lvl="1"/>
             <a:r>
-              <a:rPr lang="ro-RO" sz="3200" dirty="0" smtClean="0">
+              <a:rPr lang="ro-RO" sz="3200" dirty="0">
                 <a:solidFill>
                   <a:schemeClr val="bg1"/>
                 </a:solidFill>
               </a:rPr>
+              <a:t>Core</a:t>
+            </a:r>
+            <a:endParaRPr lang="fr-CA" sz="3000" dirty="0">
+              <a:solidFill>
+                <a:schemeClr val="bg1"/>
+              </a:solidFill>
+            </a:endParaRPr>
+          </a:p>
+        </p:txBody>
+      </p:sp>
+      <p:pic>
+        <p:nvPicPr>
+          <p:cNvPr id="2051" name="Picture 3"/>
+          <p:cNvPicPr>
+            <a:picLocks noChangeAspect="1" noChangeArrowheads="1"/>
+          </p:cNvPicPr>
+          <p:nvPr/>
+        </p:nvPicPr>
+        <p:blipFill>
+          <a:blip r:embed="rId3" cstate="print"/>
+          <a:srcRect/>
+          <a:stretch>
+            <a:fillRect/>
+          </a:stretch>
+        </p:blipFill>
+        <p:spPr bwMode="auto">
+          <a:xfrm>
+            <a:off x="1181100" y="4019724"/>
+            <a:ext cx="5524500" cy="2691904"/>
+          </a:xfrm>
+          <a:prstGeom prst="rect">
+            <a:avLst/>
+          </a:prstGeom>
+          <a:noFill/>
+          <a:ln w="9525">
+            <a:noFill/>
+            <a:miter lim="800000"/>
+            <a:headEnd/>
+            <a:tailEnd/>
+          </a:ln>
+        </p:spPr>
+      </p:pic>
+      <p:pic>
+        <p:nvPicPr>
+          <p:cNvPr id="2052" name="Picture 4"/>
+          <p:cNvPicPr>
+            <a:picLocks noChangeAspect="1" noChangeArrowheads="1"/>
+          </p:cNvPicPr>
+          <p:nvPr/>
+        </p:nvPicPr>
+        <p:blipFill>
+          <a:blip r:embed="rId4" cstate="print"/>
+          <a:srcRect/>
+          <a:stretch>
+            <a:fillRect/>
+          </a:stretch>
+        </p:blipFill>
+        <p:spPr bwMode="auto">
+          <a:xfrm>
+            <a:off x="1447800" y="1801031"/>
+            <a:ext cx="4800600" cy="1925665"/>
+          </a:xfrm>
+          <a:prstGeom prst="rect">
+            <a:avLst/>
+          </a:prstGeom>
+          <a:noFill/>
+          <a:ln w="9525">
+            <a:noFill/>
+            <a:miter lim="800000"/>
+            <a:headEnd/>
+            <a:tailEnd/>
+          </a:ln>
+        </p:spPr>
+      </p:pic>
+    </p:spTree>
+    <p:extLst>
+      <p:ext uri="{BB962C8B-B14F-4D97-AF65-F5344CB8AC3E}">
+        <p14:creationId xmlns:p14="http://schemas.microsoft.com/office/powerpoint/2010/main" val="4052629810"/>
+      </p:ext>
+    </p:extLst>
+  </p:cSld>
+  <p:clrMapOvr>
+    <a:masterClrMapping/>
+  </p:clrMapOvr>
+</p:sld>
+</file>
+
+<file path=ppt/slides/slide7.xml><?xml version="1.0" encoding="utf-8"?>
+<p:sld xmlns:a="http://schemas.openxmlformats.org/drawingml/2006/main" xmlns:r="http://schemas.openxmlformats.org/officeDocument/2006/relationships" xmlns:p="http://schemas.openxmlformats.org/presentationml/2006/main">
+  <p:cSld>
+    <p:bg>
+      <p:bgPr>
+        <a:blipFill dpi="0" rotWithShape="0">
+          <a:blip r:embed="rId2" cstate="print"/>
+          <a:srcRect/>
+          <a:stretch>
+            <a:fillRect/>
+          </a:stretch>
+        </a:blipFill>
+        <a:effectLst/>
+      </p:bgPr>
+    </p:bg>
+    <p:spTree>
+      <p:nvGrpSpPr>
+        <p:cNvPr id="1" name=""/>
+        <p:cNvGrpSpPr/>
+        <p:nvPr/>
+      </p:nvGrpSpPr>
+      <p:grpSpPr>
+        <a:xfrm>
+          <a:off x="0" y="0"/>
+          <a:ext cx="0" cy="0"/>
+          <a:chOff x="0" y="0"/>
+          <a:chExt cx="0" cy="0"/>
+        </a:xfrm>
+      </p:grpSpPr>
+      <p:sp>
+        <p:nvSpPr>
+          <p:cNvPr id="4098" name="Titre 3"/>
+          <p:cNvSpPr>
+            <a:spLocks noGrp="1"/>
+          </p:cNvSpPr>
+          <p:nvPr>
+            <p:ph type="title"/>
+          </p:nvPr>
+        </p:nvSpPr>
+        <p:spPr>
+          <a:xfrm>
+            <a:off x="228600" y="274638"/>
+            <a:ext cx="8686800" cy="1143000"/>
+          </a:xfrm>
+        </p:spPr>
+        <p:txBody>
+          <a:bodyPr/>
+          <a:lstStyle/>
+          <a:p>
+            <a:pPr lvl="1"/>
+            <a:r>
+              <a:rPr lang="ro-RO" sz="3200" dirty="0">
+                <a:solidFill>
+                  <a:schemeClr val="bg1"/>
+                </a:solidFill>
+              </a:rPr>
               <a:t>Core (cont.)</a:t>
             </a:r>
-            <a:endParaRPr lang="fr-CA" sz="3000" dirty="0" smtClean="0">
+            <a:endParaRPr lang="fr-CA" sz="3000" dirty="0">
               <a:solidFill>
                 <a:schemeClr val="bg1"/>
               </a:solidFill>
@@ -4976,7 +6675,7 @@
           <a:lstStyle/>
           <a:p>
             <a:r>
-              <a:rPr lang="en-US" sz="1400" dirty="0" smtClean="0">
+              <a:rPr lang="en-US" sz="1400" dirty="0">
                 <a:solidFill>
                   <a:srgbClr val="3C5790"/>
                 </a:solidFill>
@@ -4984,7 +6683,7 @@
               <a:t>The </a:t>
             </a:r>
             <a:r>
-              <a:rPr lang="en-US" sz="1400" b="1" dirty="0" err="1" smtClean="0">
+              <a:rPr lang="en-US" sz="1400" b="1" dirty="0" err="1">
                 <a:solidFill>
                   <a:srgbClr val="3C5790"/>
                 </a:solidFill>
@@ -4992,7 +6691,7 @@
               <a:t>thenReturn</a:t>
             </a:r>
             <a:r>
-              <a:rPr lang="en-US" sz="1400" b="1" dirty="0" smtClean="0">
+              <a:rPr lang="en-US" sz="1400" b="1" dirty="0">
                 <a:solidFill>
                   <a:srgbClr val="3C5790"/>
                 </a:solidFill>
@@ -5000,7 +6699,7 @@
               <a:t>(objects...)</a:t>
             </a:r>
             <a:r>
-              <a:rPr lang="en-US" sz="1400" dirty="0" smtClean="0">
+              <a:rPr lang="en-US" sz="1400" dirty="0">
                 <a:solidFill>
                   <a:srgbClr val="3C5790"/>
                 </a:solidFill>
@@ -5008,7 +6707,7 @@
               <a:t> takes variable arguments and comma separated return values as bellow</a:t>
             </a:r>
             <a:r>
-              <a:rPr lang="ro-RO" sz="1400" dirty="0" smtClean="0">
+              <a:rPr lang="ro-RO" sz="1400" dirty="0">
                 <a:solidFill>
                   <a:srgbClr val="3C5790"/>
                 </a:solidFill>
@@ -5018,14 +6717,14 @@
           </a:p>
           <a:p>
             <a:r>
-              <a:rPr lang="ro-RO" sz="1400" dirty="0" smtClean="0">
+              <a:rPr lang="ro-RO" sz="1400" dirty="0">
                 <a:solidFill>
                   <a:srgbClr val="3C5790"/>
                 </a:solidFill>
               </a:rPr>
               <a:t>Bellow the getItemsExpireInAMonth will return first the expiredList object and then null.</a:t>
             </a:r>
-            <a:endParaRPr lang="en-US" sz="1400" dirty="0" smtClean="0">
+            <a:endParaRPr lang="en-US" sz="1400" dirty="0">
               <a:solidFill>
                 <a:srgbClr val="3C5790"/>
               </a:solidFill>
@@ -5070,17 +6769,10 @@
   <p:clrMapOvr>
     <a:masterClrMapping/>
   </p:clrMapOvr>
-  <p:timing>
-    <p:tnLst>
-      <p:par>
-        <p:cTn id="1" dur="indefinite" restart="never" nodeType="tmRoot"/>
-      </p:par>
-    </p:tnLst>
-  </p:timing>
 </p:sld>
 </file>
 
-<file path=ppt/slides/slide7.xml><?xml version="1.0" encoding="utf-8"?>
+<file path=ppt/slides/slide8.xml><?xml version="1.0" encoding="utf-8"?>
 <p:sld xmlns:a="http://schemas.openxmlformats.org/drawingml/2006/main" xmlns:r="http://schemas.openxmlformats.org/officeDocument/2006/relationships" xmlns:p="http://schemas.openxmlformats.org/presentationml/2006/main">
   <p:cSld>
     <p:bg>
@@ -5131,14 +6823,14 @@
           <a:p>
             <a:pPr lvl="1"/>
             <a:r>
-              <a:rPr lang="ro-RO" sz="3200" dirty="0" smtClean="0">
+              <a:rPr lang="ro-RO" sz="3200" dirty="0">
                 <a:solidFill>
                   <a:schemeClr val="bg1"/>
                 </a:solidFill>
               </a:rPr>
               <a:t>Core (cont.)</a:t>
             </a:r>
-            <a:endParaRPr lang="fr-CA" sz="3000" dirty="0" smtClean="0">
+            <a:endParaRPr lang="fr-CA" sz="3000" dirty="0">
               <a:solidFill>
                 <a:schemeClr val="bg1"/>
               </a:solidFill>
@@ -5167,7 +6859,7 @@
           <a:lstStyle/>
           <a:p>
             <a:r>
-              <a:rPr lang="en-US" sz="1400" b="1" dirty="0" smtClean="0">
+              <a:rPr lang="en-US" sz="1400" b="1" dirty="0">
                 <a:solidFill>
                   <a:srgbClr val="3C5790"/>
                 </a:solidFill>
@@ -5175,7 +6867,7 @@
               <a:t>Answer</a:t>
             </a:r>
             <a:r>
-              <a:rPr lang="en-US" sz="1400" dirty="0" smtClean="0">
+              <a:rPr lang="en-US" sz="1400" dirty="0">
                 <a:solidFill>
                   <a:srgbClr val="3C5790"/>
                 </a:solidFill>
@@ -5254,17 +6946,10 @@
   <p:clrMapOvr>
     <a:masterClrMapping/>
   </p:clrMapOvr>
-  <p:timing>
-    <p:tnLst>
-      <p:par>
-        <p:cTn id="1" dur="indefinite" restart="never" nodeType="tmRoot"/>
-      </p:par>
-    </p:tnLst>
-  </p:timing>
 </p:sld>
 </file>
 
-<file path=ppt/slides/slide8.xml><?xml version="1.0" encoding="utf-8"?>
+<file path=ppt/slides/slide9.xml><?xml version="1.0" encoding="utf-8"?>
 <p:sld xmlns:a="http://schemas.openxmlformats.org/drawingml/2006/main" xmlns:r="http://schemas.openxmlformats.org/officeDocument/2006/relationships" xmlns:p="http://schemas.openxmlformats.org/presentationml/2006/main">
   <p:cSld>
     <p:bg>
@@ -5315,14 +7000,14 @@
           <a:p>
             <a:pPr lvl="1"/>
             <a:r>
-              <a:rPr lang="ro-RO" sz="3200" dirty="0" smtClean="0">
+              <a:rPr lang="ro-RO" sz="3200" dirty="0">
                 <a:solidFill>
                   <a:schemeClr val="bg1"/>
                 </a:solidFill>
               </a:rPr>
               <a:t>Core (cont.)</a:t>
             </a:r>
-            <a:endParaRPr lang="fr-CA" sz="3000" dirty="0" smtClean="0">
+            <a:endParaRPr lang="fr-CA" sz="3000" dirty="0">
               <a:solidFill>
                 <a:schemeClr val="bg1"/>
               </a:solidFill>
@@ -5351,33 +7036,17 @@
           <a:lstStyle/>
           <a:p>
             <a:r>
-              <a:rPr lang="en-US" sz="1400" dirty="0" smtClean="0">
-                <a:solidFill>
-                  <a:srgbClr val="3C5790"/>
-                </a:solidFill>
-              </a:rPr>
-              <a:t>Using </a:t>
-            </a:r>
-            <a:r>
-              <a:rPr lang="en-US" sz="1400" dirty="0" err="1" smtClean="0">
-                <a:solidFill>
-                  <a:srgbClr val="3C5790"/>
-                </a:solidFill>
-              </a:rPr>
-              <a:t>Mockito</a:t>
-            </a:r>
-            <a:r>
-              <a:rPr lang="en-US" sz="1400" dirty="0" smtClean="0">
-                <a:solidFill>
-                  <a:srgbClr val="3C5790"/>
-                </a:solidFill>
-              </a:rPr>
-              <a:t>, we can create spies of real objects.</a:t>
-            </a:r>
-          </a:p>
-          <a:p>
-            <a:r>
-              <a:rPr lang="en-US" sz="1400" dirty="0" smtClean="0">
+              <a:rPr lang="en-US" sz="1400" dirty="0">
+                <a:solidFill>
+                  <a:srgbClr val="3C5790"/>
+                </a:solidFill>
+              </a:rPr>
+              <a:t>Using Mockito, we can create spies of real objects.</a:t>
+            </a:r>
+          </a:p>
+          <a:p>
+            <a:r>
+              <a:rPr lang="en-US" sz="1400" dirty="0">
                 <a:solidFill>
                   <a:srgbClr val="3C5790"/>
                 </a:solidFill>
@@ -5385,7 +7054,7 @@
               <a:t>Unlike stubbing, when we use the </a:t>
             </a:r>
             <a:r>
-              <a:rPr lang="en-US" sz="1400" b="1" dirty="0" smtClean="0">
+              <a:rPr lang="en-US" sz="1400" b="1" dirty="0">
                 <a:solidFill>
                   <a:srgbClr val="3C5790"/>
                 </a:solidFill>
@@ -5393,7 +7062,7 @@
               <a:t>spy</a:t>
             </a:r>
             <a:r>
-              <a:rPr lang="en-US" sz="1400" dirty="0" smtClean="0">
+              <a:rPr lang="en-US" sz="1400" dirty="0">
                 <a:solidFill>
                   <a:srgbClr val="3C5790"/>
                 </a:solidFill>
@@ -5440,130 +7109,6 @@
   <p:clrMapOvr>
     <a:masterClrMapping/>
   </p:clrMapOvr>
-  <p:timing>
-    <p:tnLst>
-      <p:par>
-        <p:cTn id="1" dur="indefinite" restart="never" nodeType="tmRoot"/>
-      </p:par>
-    </p:tnLst>
-  </p:timing>
-</p:sld>
-</file>
-
-<file path=ppt/slides/slide9.xml><?xml version="1.0" encoding="utf-8"?>
-<p:sld xmlns:a="http://schemas.openxmlformats.org/drawingml/2006/main" xmlns:r="http://schemas.openxmlformats.org/officeDocument/2006/relationships" xmlns:p="http://schemas.openxmlformats.org/presentationml/2006/main">
-  <p:cSld>
-    <p:bg>
-      <p:bgPr>
-        <a:blipFill dpi="0" rotWithShape="0">
-          <a:blip r:embed="rId2" cstate="print"/>
-          <a:srcRect/>
-          <a:stretch>
-            <a:fillRect/>
-          </a:stretch>
-        </a:blipFill>
-        <a:effectLst/>
-      </p:bgPr>
-    </p:bg>
-    <p:spTree>
-      <p:nvGrpSpPr>
-        <p:cNvPr id="1" name=""/>
-        <p:cNvGrpSpPr/>
-        <p:nvPr/>
-      </p:nvGrpSpPr>
-      <p:grpSpPr>
-        <a:xfrm>
-          <a:off x="0" y="0"/>
-          <a:ext cx="0" cy="0"/>
-          <a:chOff x="0" y="0"/>
-          <a:chExt cx="0" cy="0"/>
-        </a:xfrm>
-      </p:grpSpPr>
-      <p:sp>
-        <p:nvSpPr>
-          <p:cNvPr id="4098" name="Titre 3"/>
-          <p:cNvSpPr>
-            <a:spLocks noGrp="1"/>
-          </p:cNvSpPr>
-          <p:nvPr>
-            <p:ph type="title"/>
-          </p:nvPr>
-        </p:nvSpPr>
-        <p:spPr>
-          <a:xfrm>
-            <a:off x="228600" y="274638"/>
-            <a:ext cx="8686800" cy="1143000"/>
-          </a:xfrm>
-        </p:spPr>
-        <p:txBody>
-          <a:bodyPr/>
-          <a:lstStyle/>
-          <a:p>
-            <a:pPr lvl="1"/>
-            <a:r>
-              <a:rPr lang="en-US" sz="3200" dirty="0" smtClean="0">
-                <a:solidFill>
-                  <a:schemeClr val="bg1"/>
-                </a:solidFill>
-              </a:rPr>
-              <a:t>Conclusions</a:t>
-            </a:r>
-            <a:endParaRPr lang="fr-CA" sz="3000" dirty="0" smtClean="0">
-              <a:solidFill>
-                <a:schemeClr val="bg1"/>
-              </a:solidFill>
-            </a:endParaRPr>
-          </a:p>
-        </p:txBody>
-      </p:sp>
-      <p:sp>
-        <p:nvSpPr>
-          <p:cNvPr id="4099" name="Espace réservé du contenu 4"/>
-          <p:cNvSpPr>
-            <a:spLocks noGrp="1"/>
-          </p:cNvSpPr>
-          <p:nvPr>
-            <p:ph idx="1"/>
-          </p:nvPr>
-        </p:nvSpPr>
-        <p:spPr>
-          <a:xfrm>
-            <a:off x="76200" y="1981200"/>
-            <a:ext cx="8686800" cy="4648200"/>
-          </a:xfrm>
-        </p:spPr>
-        <p:txBody>
-          <a:bodyPr/>
-          <a:lstStyle/>
-          <a:p>
-            <a:r>
-              <a:rPr lang="ro-RO" sz="1400" dirty="0" smtClean="0">
-                <a:solidFill>
-                  <a:srgbClr val="3C5790"/>
-                </a:solidFill>
-              </a:rPr>
-              <a:t>Mockito is a powerful testing framework easy to use.</a:t>
-            </a:r>
-            <a:endParaRPr lang="en-US" sz="1400" dirty="0" smtClean="0">
-              <a:solidFill>
-                <a:srgbClr val="3C5790"/>
-              </a:solidFill>
-            </a:endParaRPr>
-          </a:p>
-        </p:txBody>
-      </p:sp>
-    </p:spTree>
-  </p:cSld>
-  <p:clrMapOvr>
-    <a:masterClrMapping/>
-  </p:clrMapOvr>
-  <p:timing>
-    <p:tnLst>
-      <p:par>
-        <p:cTn id="1" dur="indefinite" restart="never" nodeType="tmRoot"/>
-      </p:par>
-    </p:tnLst>
-  </p:timing>
 </p:sld>
 </file>
 
